--- a/Fase1/MD.pptx
+++ b/Fase1/MD.pptx
@@ -5,18 +5,20 @@
     <p:sldMasterId id="2147483648" r:id="rId1"/>
   </p:sldMasterIdLst>
   <p:notesMasterIdLst>
-    <p:notesMasterId r:id="rId8"/>
+    <p:notesMasterId r:id="rId10"/>
   </p:notesMasterIdLst>
   <p:handoutMasterIdLst>
-    <p:handoutMasterId r:id="rId9"/>
+    <p:handoutMasterId r:id="rId11"/>
   </p:handoutMasterIdLst>
   <p:sldIdLst>
     <p:sldId id="256" r:id="rId2"/>
     <p:sldId id="310" r:id="rId3"/>
     <p:sldId id="314" r:id="rId4"/>
     <p:sldId id="311" r:id="rId5"/>
-    <p:sldId id="312" r:id="rId6"/>
-    <p:sldId id="313" r:id="rId7"/>
+    <p:sldId id="316" r:id="rId6"/>
+    <p:sldId id="312" r:id="rId7"/>
+    <p:sldId id="313" r:id="rId8"/>
+    <p:sldId id="315" r:id="rId9"/>
   </p:sldIdLst>
   <p:sldSz cx="9144000" cy="6858000" type="screen4x3"/>
   <p:notesSz cx="7099300" cy="10234613"/>
@@ -217,7 +219,7 @@
             <a:fld id="{ADB6FF1F-555E-4388-A8B0-D1E524B355D1}" type="datetimeFigureOut">
               <a:rPr lang="pt-PT" smtClean="0"/>
               <a:pPr/>
-              <a:t>28/03/2023</a:t>
+              <a:t>29/03/2023</a:t>
             </a:fld>
             <a:endParaRPr lang="pt-PT"/>
           </a:p>
@@ -384,7 +386,7 @@
             <a:fld id="{E77E319B-B046-487F-8D03-B96E4F1A43D0}" type="datetimeFigureOut">
               <a:rPr lang="pt-PT" smtClean="0"/>
               <a:pPr/>
-              <a:t>28/03/2023</a:t>
+              <a:t>29/03/2023</a:t>
             </a:fld>
             <a:endParaRPr lang="pt-PT"/>
           </a:p>
@@ -673,77 +675,63 @@
       </p:grpSpPr>
       <p:sp>
         <p:nvSpPr>
-          <p:cNvPr id="93186" name="Rectangle 7"/>
-          <p:cNvSpPr>
-            <a:spLocks noGrp="1" noChangeArrowheads="1"/>
+          <p:cNvPr id="2" name="Marcador de Posição da Imagem do Diapositivo 1"/>
+          <p:cNvSpPr>
+            <a:spLocks noGrp="1" noRot="1" noChangeAspect="1"/>
+          </p:cNvSpPr>
+          <p:nvPr>
+            <p:ph type="sldImg"/>
+          </p:nvPr>
+        </p:nvSpPr>
+        <p:spPr/>
+      </p:sp>
+      <p:sp>
+        <p:nvSpPr>
+          <p:cNvPr id="3" name="Marcador de Posição de Notas 2"/>
+          <p:cNvSpPr>
+            <a:spLocks noGrp="1"/>
+          </p:cNvSpPr>
+          <p:nvPr>
+            <p:ph type="body" idx="1"/>
+          </p:nvPr>
+        </p:nvSpPr>
+        <p:spPr/>
+        <p:txBody>
+          <a:bodyPr/>
+          <a:lstStyle/>
+          <a:p>
+            <a:endParaRPr lang="pt-PT" dirty="0"/>
+          </a:p>
+        </p:txBody>
+      </p:sp>
+      <p:sp>
+        <p:nvSpPr>
+          <p:cNvPr id="4" name="Marcador de Posição do Número do Diapositivo 3"/>
+          <p:cNvSpPr>
+            <a:spLocks noGrp="1"/>
           </p:cNvSpPr>
           <p:nvPr>
             <p:ph type="sldNum" sz="quarter" idx="5"/>
           </p:nvPr>
         </p:nvSpPr>
-        <p:spPr>
-          <a:noFill/>
-        </p:spPr>
+        <p:spPr/>
         <p:txBody>
           <a:bodyPr/>
           <a:lstStyle/>
           <a:p>
-            <a:fld id="{497D1F5F-AB60-452E-AA79-64E25350F70B}" type="slidenum">
-              <a:rPr lang="pt-PT" smtClean="0">
-                <a:latin typeface="Arial" pitchFamily="34" charset="0"/>
-              </a:rPr>
+            <a:fld id="{F3DD545E-D36A-4832-938A-2ECADA69E4C6}" type="slidenum">
+              <a:rPr lang="pt-PT" smtClean="0"/>
               <a:pPr/>
-              <a:t>2</a:t>
+              <a:t>1</a:t>
             </a:fld>
-            <a:endParaRPr lang="pt-PT">
-              <a:latin typeface="Arial" pitchFamily="34" charset="0"/>
-            </a:endParaRPr>
-          </a:p>
-        </p:txBody>
-      </p:sp>
-      <p:sp>
-        <p:nvSpPr>
-          <p:cNvPr id="93187" name="Rectangle 2"/>
-          <p:cNvSpPr>
-            <a:spLocks noGrp="1" noRot="1" noChangeAspect="1" noChangeArrowheads="1" noTextEdit="1"/>
-          </p:cNvSpPr>
-          <p:nvPr>
-            <p:ph type="sldImg"/>
-          </p:nvPr>
-        </p:nvSpPr>
-        <p:spPr>
-          <a:ln/>
-        </p:spPr>
-      </p:sp>
-      <p:sp>
-        <p:nvSpPr>
-          <p:cNvPr id="93188" name="Rectangle 3"/>
-          <p:cNvSpPr>
-            <a:spLocks noGrp="1" noChangeArrowheads="1"/>
-          </p:cNvSpPr>
-          <p:nvPr>
-            <p:ph type="body" idx="1"/>
-          </p:nvPr>
-        </p:nvSpPr>
-        <p:spPr>
-          <a:noFill/>
-          <a:ln/>
-        </p:spPr>
-        <p:txBody>
-          <a:bodyPr/>
-          <a:lstStyle/>
-          <a:p>
-            <a:pPr eaLnBrk="1" hangingPunct="1"/>
-            <a:endParaRPr lang="pt-PT">
-              <a:latin typeface="Arial" pitchFamily="34" charset="0"/>
-            </a:endParaRPr>
+            <a:endParaRPr lang="pt-PT"/>
           </a:p>
         </p:txBody>
       </p:sp>
     </p:spTree>
     <p:extLst>
       <p:ext uri="{BB962C8B-B14F-4D97-AF65-F5344CB8AC3E}">
-        <p14:creationId xmlns:p14="http://schemas.microsoft.com/office/powerpoint/2010/main" val="2207147852"/>
+        <p14:creationId xmlns:p14="http://schemas.microsoft.com/office/powerpoint/2010/main" val="4209145155"/>
       </p:ext>
     </p:extLst>
   </p:cSld>
@@ -792,7 +780,7 @@
                 <a:latin typeface="Arial" pitchFamily="34" charset="0"/>
               </a:rPr>
               <a:pPr/>
-              <a:t>3</a:t>
+              <a:t>2</a:t>
             </a:fld>
             <a:endParaRPr lang="pt-PT">
               <a:latin typeface="Arial" pitchFamily="34" charset="0"/>
@@ -842,7 +830,7 @@
     </p:spTree>
     <p:extLst>
       <p:ext uri="{BB962C8B-B14F-4D97-AF65-F5344CB8AC3E}">
-        <p14:creationId xmlns:p14="http://schemas.microsoft.com/office/powerpoint/2010/main" val="4097597937"/>
+        <p14:creationId xmlns:p14="http://schemas.microsoft.com/office/powerpoint/2010/main" val="2207147852"/>
       </p:ext>
     </p:extLst>
   </p:cSld>
@@ -891,7 +879,7 @@
                 <a:latin typeface="Arial" pitchFamily="34" charset="0"/>
               </a:rPr>
               <a:pPr/>
-              <a:t>4</a:t>
+              <a:t>3</a:t>
             </a:fld>
             <a:endParaRPr lang="pt-PT">
               <a:latin typeface="Arial" pitchFamily="34" charset="0"/>
@@ -941,7 +929,7 @@
     </p:spTree>
     <p:extLst>
       <p:ext uri="{BB962C8B-B14F-4D97-AF65-F5344CB8AC3E}">
-        <p14:creationId xmlns:p14="http://schemas.microsoft.com/office/powerpoint/2010/main" val="3383565406"/>
+        <p14:creationId xmlns:p14="http://schemas.microsoft.com/office/powerpoint/2010/main" val="4097597937"/>
       </p:ext>
     </p:extLst>
   </p:cSld>
@@ -990,7 +978,7 @@
                 <a:latin typeface="Arial" pitchFamily="34" charset="0"/>
               </a:rPr>
               <a:pPr/>
-              <a:t>5</a:t>
+              <a:t>4</a:t>
             </a:fld>
             <a:endParaRPr lang="pt-PT">
               <a:latin typeface="Arial" pitchFamily="34" charset="0"/>
@@ -1040,7 +1028,7 @@
     </p:spTree>
     <p:extLst>
       <p:ext uri="{BB962C8B-B14F-4D97-AF65-F5344CB8AC3E}">
-        <p14:creationId xmlns:p14="http://schemas.microsoft.com/office/powerpoint/2010/main" val="1655482677"/>
+        <p14:creationId xmlns:p14="http://schemas.microsoft.com/office/powerpoint/2010/main" val="3383565406"/>
       </p:ext>
     </p:extLst>
   </p:cSld>
@@ -1089,7 +1077,205 @@
                 <a:latin typeface="Arial" pitchFamily="34" charset="0"/>
               </a:rPr>
               <a:pPr/>
+              <a:t>5</a:t>
+            </a:fld>
+            <a:endParaRPr lang="pt-PT">
+              <a:latin typeface="Arial" pitchFamily="34" charset="0"/>
+            </a:endParaRPr>
+          </a:p>
+        </p:txBody>
+      </p:sp>
+      <p:sp>
+        <p:nvSpPr>
+          <p:cNvPr id="93187" name="Rectangle 2"/>
+          <p:cNvSpPr>
+            <a:spLocks noGrp="1" noRot="1" noChangeAspect="1" noChangeArrowheads="1" noTextEdit="1"/>
+          </p:cNvSpPr>
+          <p:nvPr>
+            <p:ph type="sldImg"/>
+          </p:nvPr>
+        </p:nvSpPr>
+        <p:spPr>
+          <a:ln/>
+        </p:spPr>
+      </p:sp>
+      <p:sp>
+        <p:nvSpPr>
+          <p:cNvPr id="93188" name="Rectangle 3"/>
+          <p:cNvSpPr>
+            <a:spLocks noGrp="1" noChangeArrowheads="1"/>
+          </p:cNvSpPr>
+          <p:nvPr>
+            <p:ph type="body" idx="1"/>
+          </p:nvPr>
+        </p:nvSpPr>
+        <p:spPr>
+          <a:noFill/>
+          <a:ln/>
+        </p:spPr>
+        <p:txBody>
+          <a:bodyPr/>
+          <a:lstStyle/>
+          <a:p>
+            <a:pPr eaLnBrk="1" hangingPunct="1"/>
+            <a:endParaRPr lang="pt-PT">
+              <a:latin typeface="Arial" pitchFamily="34" charset="0"/>
+            </a:endParaRPr>
+          </a:p>
+        </p:txBody>
+      </p:sp>
+    </p:spTree>
+    <p:extLst>
+      <p:ext uri="{BB962C8B-B14F-4D97-AF65-F5344CB8AC3E}">
+        <p14:creationId xmlns:p14="http://schemas.microsoft.com/office/powerpoint/2010/main" val="4088264249"/>
+      </p:ext>
+    </p:extLst>
+  </p:cSld>
+  <p:clrMapOvr>
+    <a:masterClrMapping/>
+  </p:clrMapOvr>
+</p:notes>
+</file>
+
+<file path=ppt/notesSlides/notesSlide6.xml><?xml version="1.0" encoding="utf-8"?>
+<p:notes xmlns:a="http://schemas.openxmlformats.org/drawingml/2006/main" xmlns:r="http://schemas.openxmlformats.org/officeDocument/2006/relationships" xmlns:p="http://schemas.openxmlformats.org/presentationml/2006/main">
+  <p:cSld>
+    <p:spTree>
+      <p:nvGrpSpPr>
+        <p:cNvPr id="1" name=""/>
+        <p:cNvGrpSpPr/>
+        <p:nvPr/>
+      </p:nvGrpSpPr>
+      <p:grpSpPr>
+        <a:xfrm>
+          <a:off x="0" y="0"/>
+          <a:ext cx="0" cy="0"/>
+          <a:chOff x="0" y="0"/>
+          <a:chExt cx="0" cy="0"/>
+        </a:xfrm>
+      </p:grpSpPr>
+      <p:sp>
+        <p:nvSpPr>
+          <p:cNvPr id="93186" name="Rectangle 7"/>
+          <p:cNvSpPr>
+            <a:spLocks noGrp="1" noChangeArrowheads="1"/>
+          </p:cNvSpPr>
+          <p:nvPr>
+            <p:ph type="sldNum" sz="quarter" idx="5"/>
+          </p:nvPr>
+        </p:nvSpPr>
+        <p:spPr>
+          <a:noFill/>
+        </p:spPr>
+        <p:txBody>
+          <a:bodyPr/>
+          <a:lstStyle/>
+          <a:p>
+            <a:fld id="{497D1F5F-AB60-452E-AA79-64E25350F70B}" type="slidenum">
+              <a:rPr lang="pt-PT" smtClean="0">
+                <a:latin typeface="Arial" pitchFamily="34" charset="0"/>
+              </a:rPr>
+              <a:pPr/>
               <a:t>6</a:t>
+            </a:fld>
+            <a:endParaRPr lang="pt-PT">
+              <a:latin typeface="Arial" pitchFamily="34" charset="0"/>
+            </a:endParaRPr>
+          </a:p>
+        </p:txBody>
+      </p:sp>
+      <p:sp>
+        <p:nvSpPr>
+          <p:cNvPr id="93187" name="Rectangle 2"/>
+          <p:cNvSpPr>
+            <a:spLocks noGrp="1" noRot="1" noChangeAspect="1" noChangeArrowheads="1" noTextEdit="1"/>
+          </p:cNvSpPr>
+          <p:nvPr>
+            <p:ph type="sldImg"/>
+          </p:nvPr>
+        </p:nvSpPr>
+        <p:spPr>
+          <a:ln/>
+        </p:spPr>
+      </p:sp>
+      <p:sp>
+        <p:nvSpPr>
+          <p:cNvPr id="93188" name="Rectangle 3"/>
+          <p:cNvSpPr>
+            <a:spLocks noGrp="1" noChangeArrowheads="1"/>
+          </p:cNvSpPr>
+          <p:nvPr>
+            <p:ph type="body" idx="1"/>
+          </p:nvPr>
+        </p:nvSpPr>
+        <p:spPr>
+          <a:noFill/>
+          <a:ln/>
+        </p:spPr>
+        <p:txBody>
+          <a:bodyPr/>
+          <a:lstStyle/>
+          <a:p>
+            <a:pPr eaLnBrk="1" hangingPunct="1"/>
+            <a:endParaRPr lang="pt-PT">
+              <a:latin typeface="Arial" pitchFamily="34" charset="0"/>
+            </a:endParaRPr>
+          </a:p>
+        </p:txBody>
+      </p:sp>
+    </p:spTree>
+    <p:extLst>
+      <p:ext uri="{BB962C8B-B14F-4D97-AF65-F5344CB8AC3E}">
+        <p14:creationId xmlns:p14="http://schemas.microsoft.com/office/powerpoint/2010/main" val="1655482677"/>
+      </p:ext>
+    </p:extLst>
+  </p:cSld>
+  <p:clrMapOvr>
+    <a:masterClrMapping/>
+  </p:clrMapOvr>
+</p:notes>
+</file>
+
+<file path=ppt/notesSlides/notesSlide7.xml><?xml version="1.0" encoding="utf-8"?>
+<p:notes xmlns:a="http://schemas.openxmlformats.org/drawingml/2006/main" xmlns:r="http://schemas.openxmlformats.org/officeDocument/2006/relationships" xmlns:p="http://schemas.openxmlformats.org/presentationml/2006/main">
+  <p:cSld>
+    <p:spTree>
+      <p:nvGrpSpPr>
+        <p:cNvPr id="1" name=""/>
+        <p:cNvGrpSpPr/>
+        <p:nvPr/>
+      </p:nvGrpSpPr>
+      <p:grpSpPr>
+        <a:xfrm>
+          <a:off x="0" y="0"/>
+          <a:ext cx="0" cy="0"/>
+          <a:chOff x="0" y="0"/>
+          <a:chExt cx="0" cy="0"/>
+        </a:xfrm>
+      </p:grpSpPr>
+      <p:sp>
+        <p:nvSpPr>
+          <p:cNvPr id="93186" name="Rectangle 7"/>
+          <p:cNvSpPr>
+            <a:spLocks noGrp="1" noChangeArrowheads="1"/>
+          </p:cNvSpPr>
+          <p:nvPr>
+            <p:ph type="sldNum" sz="quarter" idx="5"/>
+          </p:nvPr>
+        </p:nvSpPr>
+        <p:spPr>
+          <a:noFill/>
+        </p:spPr>
+        <p:txBody>
+          <a:bodyPr/>
+          <a:lstStyle/>
+          <a:p>
+            <a:fld id="{497D1F5F-AB60-452E-AA79-64E25350F70B}" type="slidenum">
+              <a:rPr lang="pt-PT" smtClean="0">
+                <a:latin typeface="Arial" pitchFamily="34" charset="0"/>
+              </a:rPr>
+              <a:pPr/>
+              <a:t>7</a:t>
             </a:fld>
             <a:endParaRPr lang="pt-PT">
               <a:latin typeface="Arial" pitchFamily="34" charset="0"/>
@@ -1331,7 +1517,7 @@
             <a:fld id="{A4A3E61B-3AB3-490F-90D4-269C8A444AE7}" type="datetimeFigureOut">
               <a:rPr lang="en-US" smtClean="0"/>
               <a:pPr/>
-              <a:t>3/28/2023</a:t>
+              <a:t>3/29/2023</a:t>
             </a:fld>
             <a:endParaRPr lang="en-US"/>
           </a:p>
@@ -1498,7 +1684,7 @@
             <a:fld id="{A4A3E61B-3AB3-490F-90D4-269C8A444AE7}" type="datetimeFigureOut">
               <a:rPr lang="en-US" smtClean="0"/>
               <a:pPr/>
-              <a:t>3/28/2023</a:t>
+              <a:t>3/29/2023</a:t>
             </a:fld>
             <a:endParaRPr lang="en-US"/>
           </a:p>
@@ -1675,7 +1861,7 @@
             <a:fld id="{A4A3E61B-3AB3-490F-90D4-269C8A444AE7}" type="datetimeFigureOut">
               <a:rPr lang="en-US" smtClean="0"/>
               <a:pPr/>
-              <a:t>3/28/2023</a:t>
+              <a:t>3/29/2023</a:t>
             </a:fld>
             <a:endParaRPr lang="en-US"/>
           </a:p>
@@ -1842,7 +2028,7 @@
             <a:fld id="{A4A3E61B-3AB3-490F-90D4-269C8A444AE7}" type="datetimeFigureOut">
               <a:rPr lang="en-US" smtClean="0"/>
               <a:pPr/>
-              <a:t>3/28/2023</a:t>
+              <a:t>3/29/2023</a:t>
             </a:fld>
             <a:endParaRPr lang="en-US"/>
           </a:p>
@@ -2085,7 +2271,7 @@
             <a:fld id="{A4A3E61B-3AB3-490F-90D4-269C8A444AE7}" type="datetimeFigureOut">
               <a:rPr lang="en-US" smtClean="0"/>
               <a:pPr/>
-              <a:t>3/28/2023</a:t>
+              <a:t>3/29/2023</a:t>
             </a:fld>
             <a:endParaRPr lang="en-US"/>
           </a:p>
@@ -2370,7 +2556,7 @@
             <a:fld id="{A4A3E61B-3AB3-490F-90D4-269C8A444AE7}" type="datetimeFigureOut">
               <a:rPr lang="en-US" smtClean="0"/>
               <a:pPr/>
-              <a:t>3/28/2023</a:t>
+              <a:t>3/29/2023</a:t>
             </a:fld>
             <a:endParaRPr lang="en-US"/>
           </a:p>
@@ -2789,7 +2975,7 @@
             <a:fld id="{A4A3E61B-3AB3-490F-90D4-269C8A444AE7}" type="datetimeFigureOut">
               <a:rPr lang="en-US" smtClean="0"/>
               <a:pPr/>
-              <a:t>3/28/2023</a:t>
+              <a:t>3/29/2023</a:t>
             </a:fld>
             <a:endParaRPr lang="en-US"/>
           </a:p>
@@ -2904,7 +3090,7 @@
             <a:fld id="{A4A3E61B-3AB3-490F-90D4-269C8A444AE7}" type="datetimeFigureOut">
               <a:rPr lang="en-US" smtClean="0"/>
               <a:pPr/>
-              <a:t>3/28/2023</a:t>
+              <a:t>3/29/2023</a:t>
             </a:fld>
             <a:endParaRPr lang="en-US"/>
           </a:p>
@@ -2996,7 +3182,7 @@
             <a:fld id="{A4A3E61B-3AB3-490F-90D4-269C8A444AE7}" type="datetimeFigureOut">
               <a:rPr lang="en-US" smtClean="0"/>
               <a:pPr/>
-              <a:t>3/28/2023</a:t>
+              <a:t>3/29/2023</a:t>
             </a:fld>
             <a:endParaRPr lang="en-US"/>
           </a:p>
@@ -3270,7 +3456,7 @@
             <a:fld id="{A4A3E61B-3AB3-490F-90D4-269C8A444AE7}" type="datetimeFigureOut">
               <a:rPr lang="en-US" smtClean="0"/>
               <a:pPr/>
-              <a:t>3/28/2023</a:t>
+              <a:t>3/29/2023</a:t>
             </a:fld>
             <a:endParaRPr lang="en-US"/>
           </a:p>
@@ -3520,7 +3706,7 @@
             <a:fld id="{A4A3E61B-3AB3-490F-90D4-269C8A444AE7}" type="datetimeFigureOut">
               <a:rPr lang="en-US" smtClean="0"/>
               <a:pPr/>
-              <a:t>3/28/2023</a:t>
+              <a:t>3/29/2023</a:t>
             </a:fld>
             <a:endParaRPr lang="en-US"/>
           </a:p>
@@ -3730,7 +3916,7 @@
             <a:fld id="{A4A3E61B-3AB3-490F-90D4-269C8A444AE7}" type="datetimeFigureOut">
               <a:rPr lang="en-US" smtClean="0"/>
               <a:pPr/>
-              <a:t>3/28/2023</a:t>
+              <a:t>3/29/2023</a:t>
             </a:fld>
             <a:endParaRPr lang="en-US"/>
           </a:p>
@@ -4212,15 +4398,7 @@
             </a:pPr>
             <a:r>
               <a:rPr lang="pt-PT" sz="1200" b="1" dirty="0"/>
-              <a:t>	</a:t>
-            </a:r>
-            <a:r>
-              <a:rPr lang="pt-PT" sz="1200" b="1" dirty="0" err="1"/>
-              <a:t>Prof.Miguel</a:t>
-            </a:r>
-            <a:r>
-              <a:rPr lang="pt-PT" sz="1200" b="1" dirty="0"/>
-              <a:t> Rocha</a:t>
+              <a:t>	Prof. Miguel Rocha</a:t>
             </a:r>
           </a:p>
           <a:p>
@@ -4373,7 +4551,7 @@
         </p:nvSpPr>
         <p:spPr bwMode="auto">
           <a:xfrm>
-            <a:off x="1066800" y="3048000"/>
+            <a:off x="914400" y="3064962"/>
             <a:ext cx="4191000" cy="1323439"/>
           </a:xfrm>
           <a:prstGeom prst="rect">
@@ -4562,6 +4740,17 @@
               <a:rPr lang="pt-PT" sz="2000" b="1" dirty="0"/>
               <a:t>Bárbara Freixo - PG</a:t>
             </a:r>
+            <a:r>
+              <a:rPr lang="pt-PT" sz="2000" b="1" i="0" dirty="0">
+                <a:solidFill>
+                  <a:srgbClr val="000000"/>
+                </a:solidFill>
+                <a:effectLst/>
+                <a:latin typeface="docs-Calibri"/>
+              </a:rPr>
+              <a:t>49169</a:t>
+            </a:r>
+            <a:endParaRPr lang="pt-PT" sz="2000" b="1" dirty="0"/>
           </a:p>
           <a:p>
             <a:pPr>
@@ -4647,7 +4836,7 @@
           <p:nvPr/>
         </p:nvPicPr>
         <p:blipFill>
-          <a:blip r:embed="rId2">
+          <a:blip r:embed="rId3">
             <a:extLst>
               <a:ext uri="{28A0092B-C50C-407E-A947-70E740481C1C}">
                 <a14:useLocalDpi xmlns:a14="http://schemas.microsoft.com/office/drawing/2010/main" val="0"/>
@@ -5092,17 +5281,13 @@
             </a:pPr>
             <a:r>
               <a:rPr lang="pt-PT" sz="1000" b="1" dirty="0"/>
-              <a:t>@2022/2023 – Algoritmo k-</a:t>
+              <a:t>@2022/2023 – Análise de Sentimentos de Amazon </a:t>
             </a:r>
             <a:r>
               <a:rPr lang="pt-PT" sz="1000" b="1" dirty="0" err="1"/>
-              <a:t>Means</a:t>
-            </a:r>
-            <a:endParaRPr lang="pt-PT" sz="1000" b="1" i="1" dirty="0">
-              <a:solidFill>
-                <a:srgbClr val="C00000"/>
-              </a:solidFill>
-            </a:endParaRPr>
+              <a:t>Reviews</a:t>
+            </a:r>
+            <a:endParaRPr lang="pt-PT" sz="1000" b="1" dirty="0"/>
           </a:p>
         </p:txBody>
       </p:sp>
@@ -5120,8 +5305,8 @@
         </p:nvSpPr>
         <p:spPr>
           <a:xfrm>
-            <a:off x="419100" y="1087714"/>
-            <a:ext cx="8305800" cy="619721"/>
+            <a:off x="424335" y="2097583"/>
+            <a:ext cx="8305800" cy="3081934"/>
           </a:xfrm>
           <a:prstGeom prst="rect">
             <a:avLst/>
@@ -5144,13 +5329,24 @@
             </a:pPr>
             <a:r>
               <a:rPr lang="pt-PT" sz="2000" i="1" dirty="0">
-                <a:solidFill>
-                  <a:srgbClr val="FFC000"/>
-                </a:solidFill>
                 <a:latin typeface="Arial"/>
                 <a:cs typeface="Arial"/>
               </a:rPr>
-              <a:t>■</a:t>
+              <a:t>A mineração de dados é uma das áreas mais importantes da ciência da computação, permitindo extrair informações valiosas a partir de grandes conjuntos de dados. Com este projeto pretendemos analisar as </a:t>
+            </a:r>
+            <a:r>
+              <a:rPr lang="pt-PT" sz="2000" i="1" dirty="0" err="1">
+                <a:latin typeface="Arial"/>
+                <a:cs typeface="Arial"/>
+              </a:rPr>
+              <a:t>reviews</a:t>
+            </a:r>
+            <a:r>
+              <a:rPr lang="pt-PT" sz="2000" i="1" dirty="0">
+                <a:latin typeface="Arial"/>
+                <a:cs typeface="Arial"/>
+              </a:rPr>
+              <a:t> de produtos na plataforma Amazon, usando uma técnica de análise de sentimento. </a:t>
             </a:r>
             <a:endParaRPr lang="pt-PT" sz="2000" dirty="0"/>
           </a:p>
@@ -5693,17 +5889,13 @@
             </a:pPr>
             <a:r>
               <a:rPr lang="pt-PT" sz="1000" b="1" dirty="0"/>
-              <a:t>@2022/2023 – Algoritmo k-</a:t>
+              <a:t>@2022/2023 – Análise de Sentimentos de Amazon </a:t>
             </a:r>
             <a:r>
               <a:rPr lang="pt-PT" sz="1000" b="1" dirty="0" err="1"/>
-              <a:t>Means</a:t>
-            </a:r>
-            <a:endParaRPr lang="pt-PT" sz="1000" b="1" i="1" dirty="0">
-              <a:solidFill>
-                <a:srgbClr val="C00000"/>
-              </a:solidFill>
-            </a:endParaRPr>
+              <a:t>Reviews</a:t>
+            </a:r>
+            <a:endParaRPr lang="pt-PT" sz="1000" b="1" dirty="0"/>
           </a:p>
         </p:txBody>
       </p:sp>
@@ -6284,78 +6476,13 @@
             </a:pPr>
             <a:r>
               <a:rPr lang="pt-PT" sz="1000" b="1" dirty="0"/>
-              <a:t>@2022/2023 – Algoritmo k-</a:t>
+              <a:t>@2022/2023 – Análise de Sentimentos de Amazon </a:t>
             </a:r>
             <a:r>
               <a:rPr lang="pt-PT" sz="1000" b="1" dirty="0" err="1"/>
-              <a:t>Means</a:t>
-            </a:r>
-            <a:endParaRPr lang="pt-PT" sz="1000" b="1" i="1" dirty="0">
-              <a:solidFill>
-                <a:srgbClr val="C00000"/>
-              </a:solidFill>
-            </a:endParaRPr>
-          </a:p>
-        </p:txBody>
-      </p:sp>
-      <p:sp>
-        <p:nvSpPr>
-          <p:cNvPr id="12" name="CaixaDeTexto 11">
-            <a:extLst>
-              <a:ext uri="{FF2B5EF4-FFF2-40B4-BE49-F238E27FC236}">
-                <a16:creationId xmlns:a16="http://schemas.microsoft.com/office/drawing/2014/main" id="{E11EED7C-F203-447C-8DD1-A9C2FABC7866}"/>
-              </a:ext>
-            </a:extLst>
-          </p:cNvPr>
-          <p:cNvSpPr txBox="1"/>
-          <p:nvPr/>
-        </p:nvSpPr>
-        <p:spPr>
-          <a:xfrm>
-            <a:off x="419099" y="1087714"/>
-            <a:ext cx="8696325" cy="1237262"/>
-          </a:xfrm>
-          <a:prstGeom prst="rect">
-            <a:avLst/>
-          </a:prstGeom>
-          <a:noFill/>
-          <a:ln>
-            <a:noFill/>
-          </a:ln>
-        </p:spPr>
-        <p:txBody>
-          <a:bodyPr wrap="square" rtlCol="0">
-            <a:spAutoFit/>
-          </a:bodyPr>
-          <a:lstStyle/>
-          <a:p>
-            <a:pPr>
-              <a:lnSpc>
-                <a:spcPct val="200000"/>
-              </a:lnSpc>
-            </a:pPr>
-            <a:r>
-              <a:rPr lang="pt-PT" sz="2000" i="1" dirty="0">
-                <a:solidFill>
-                  <a:srgbClr val="FFC000"/>
-                </a:solidFill>
-                <a:latin typeface="Arial"/>
-                <a:cs typeface="Arial"/>
-              </a:rPr>
-              <a:t>■</a:t>
-            </a:r>
-            <a:r>
-              <a:rPr lang="pt-PT" sz="2000" dirty="0"/>
-              <a:t> </a:t>
-            </a:r>
-          </a:p>
-          <a:p>
-            <a:pPr>
-              <a:lnSpc>
-                <a:spcPct val="200000"/>
-              </a:lnSpc>
-            </a:pPr>
-            <a:endParaRPr lang="pt-PT" sz="2000" dirty="0"/>
+              <a:t>Reviews</a:t>
+            </a:r>
+            <a:endParaRPr lang="pt-PT" sz="1000" b="1" dirty="0"/>
           </a:p>
         </p:txBody>
       </p:sp>
@@ -6565,7 +6692,7 @@
         <p:spPr bwMode="auto">
           <a:xfrm>
             <a:off x="306388" y="557213"/>
-            <a:ext cx="6981825" cy="400050"/>
+            <a:ext cx="6981825" cy="400110"/>
           </a:xfrm>
           <a:prstGeom prst="rect">
             <a:avLst/>
@@ -6628,7 +6755,7 @@
                 <a:latin typeface="Arial" charset="0"/>
                 <a:cs typeface="Arial"/>
               </a:rPr>
-              <a:t>Metodologias</a:t>
+              <a:t>Tarefas</a:t>
             </a:r>
             <a:endParaRPr lang="pt-PT" sz="2000" b="1" dirty="0">
               <a:effectLst>
@@ -6905,17 +7032,13 @@
             </a:pPr>
             <a:r>
               <a:rPr lang="pt-PT" sz="1000" b="1" dirty="0"/>
-              <a:t>@2022/2023 – Algoritmo k-</a:t>
+              <a:t>@2022/2023 – Análise de Sentimentos de Amazon </a:t>
             </a:r>
             <a:r>
               <a:rPr lang="pt-PT" sz="1000" b="1" dirty="0" err="1"/>
-              <a:t>Means</a:t>
-            </a:r>
-            <a:endParaRPr lang="pt-PT" sz="1000" b="1" i="1" dirty="0">
-              <a:solidFill>
-                <a:srgbClr val="C00000"/>
-              </a:solidFill>
-            </a:endParaRPr>
+              <a:t>Reviews</a:t>
+            </a:r>
+            <a:endParaRPr lang="pt-PT" sz="1000" b="1" dirty="0"/>
           </a:p>
         </p:txBody>
       </p:sp>
@@ -6933,8 +7056,8 @@
         </p:nvSpPr>
         <p:spPr>
           <a:xfrm>
-            <a:off x="419100" y="1087714"/>
-            <a:ext cx="8305800" cy="619721"/>
+            <a:off x="419100" y="2129190"/>
+            <a:ext cx="8305800" cy="3022366"/>
           </a:xfrm>
           <a:prstGeom prst="rect">
             <a:avLst/>
@@ -6956,16 +7079,126 @@
               </a:lnSpc>
             </a:pPr>
             <a:r>
-              <a:rPr lang="pt-PT" sz="2000" i="1" dirty="0">
+              <a:rPr lang="pt-PT" sz="1800" i="1" kern="1200" dirty="0">
                 <a:solidFill>
                   <a:srgbClr val="FFC000"/>
                 </a:solidFill>
-                <a:latin typeface="Arial"/>
-                <a:cs typeface="Arial"/>
+                <a:effectLst/>
+                <a:latin typeface="+mn-ea"/>
+                <a:ea typeface="+mn-ea"/>
+                <a:cs typeface="Arial" panose="020B0604020202020204" pitchFamily="34" charset="0"/>
               </a:rPr>
-              <a:t>■</a:t>
-            </a:r>
-            <a:endParaRPr lang="pt-PT" sz="2000" dirty="0"/>
+              <a:t>■ </a:t>
+            </a:r>
+            <a:r>
+              <a:rPr lang="pt-PT" sz="1800" i="1" kern="1200" dirty="0">
+                <a:effectLst/>
+                <a:latin typeface="+mn-ea"/>
+                <a:ea typeface="+mn-ea"/>
+                <a:cs typeface="Arial" panose="020B0604020202020204" pitchFamily="34" charset="0"/>
+              </a:rPr>
+              <a:t>Recoleção de Dados</a:t>
+            </a:r>
+          </a:p>
+          <a:p>
+            <a:pPr>
+              <a:lnSpc>
+                <a:spcPct val="200000"/>
+              </a:lnSpc>
+            </a:pPr>
+            <a:r>
+              <a:rPr lang="pt-PT" sz="1800" i="1" kern="1200" dirty="0">
+                <a:solidFill>
+                  <a:srgbClr val="FFC000"/>
+                </a:solidFill>
+                <a:effectLst/>
+                <a:latin typeface="+mn-ea"/>
+                <a:ea typeface="+mn-ea"/>
+                <a:cs typeface="Arial" panose="020B0604020202020204" pitchFamily="34" charset="0"/>
+              </a:rPr>
+              <a:t>■ </a:t>
+            </a:r>
+            <a:r>
+              <a:rPr lang="pt-PT" sz="2000" dirty="0"/>
+              <a:t>Limpeza e </a:t>
+            </a:r>
+            <a:r>
+              <a:rPr lang="pt-PT" sz="2000" u="sng" dirty="0"/>
+              <a:t>normalização</a:t>
+            </a:r>
+            <a:r>
+              <a:rPr lang="pt-PT" sz="2000" dirty="0"/>
+              <a:t> dos dados</a:t>
+            </a:r>
+          </a:p>
+          <a:p>
+            <a:pPr>
+              <a:lnSpc>
+                <a:spcPct val="200000"/>
+              </a:lnSpc>
+            </a:pPr>
+            <a:r>
+              <a:rPr lang="pt-PT" sz="1800" i="1" kern="1200" dirty="0">
+                <a:solidFill>
+                  <a:srgbClr val="FFC000"/>
+                </a:solidFill>
+                <a:effectLst/>
+                <a:latin typeface="+mn-ea"/>
+                <a:ea typeface="+mn-ea"/>
+                <a:cs typeface="Arial" panose="020B0604020202020204" pitchFamily="34" charset="0"/>
+              </a:rPr>
+              <a:t>■ </a:t>
+            </a:r>
+            <a:r>
+              <a:rPr lang="pt-PT" sz="2000" dirty="0"/>
+              <a:t>Identificação de palavras-chave</a:t>
+            </a:r>
+          </a:p>
+          <a:p>
+            <a:pPr>
+              <a:lnSpc>
+                <a:spcPct val="200000"/>
+              </a:lnSpc>
+            </a:pPr>
+            <a:r>
+              <a:rPr lang="pt-PT" sz="1800" i="1" kern="1200" dirty="0">
+                <a:solidFill>
+                  <a:srgbClr val="FFC000"/>
+                </a:solidFill>
+                <a:effectLst/>
+                <a:latin typeface="+mn-ea"/>
+                <a:ea typeface="+mn-ea"/>
+                <a:cs typeface="Arial" panose="020B0604020202020204" pitchFamily="34" charset="0"/>
+              </a:rPr>
+              <a:t>■ </a:t>
+            </a:r>
+            <a:r>
+              <a:rPr lang="pt-PT" sz="2000" dirty="0"/>
+              <a:t>Classificação de sentimento</a:t>
+            </a:r>
+          </a:p>
+          <a:p>
+            <a:pPr>
+              <a:lnSpc>
+                <a:spcPct val="200000"/>
+              </a:lnSpc>
+            </a:pPr>
+            <a:r>
+              <a:rPr lang="pt-PT" sz="1800" i="1" kern="1200" dirty="0">
+                <a:solidFill>
+                  <a:srgbClr val="FFC000"/>
+                </a:solidFill>
+                <a:effectLst/>
+                <a:latin typeface="+mn-ea"/>
+                <a:ea typeface="+mn-ea"/>
+                <a:cs typeface="Arial" panose="020B0604020202020204" pitchFamily="34" charset="0"/>
+              </a:rPr>
+              <a:t>■ </a:t>
+            </a:r>
+            <a:r>
+              <a:rPr lang="pt-PT" sz="2000" dirty="0"/>
+              <a:t>Avaliação dos resultados</a:t>
+            </a:r>
           </a:p>
         </p:txBody>
       </p:sp>
@@ -7103,7 +7336,7 @@
     </p:spTree>
     <p:extLst>
       <p:ext uri="{BB962C8B-B14F-4D97-AF65-F5344CB8AC3E}">
-        <p14:creationId xmlns:p14="http://schemas.microsoft.com/office/powerpoint/2010/main" val="40492602"/>
+        <p14:creationId xmlns:p14="http://schemas.microsoft.com/office/powerpoint/2010/main" val="2440728973"/>
       </p:ext>
     </p:extLst>
   </p:cSld>
@@ -7175,7 +7408,7 @@
         <p:spPr bwMode="auto">
           <a:xfrm>
             <a:off x="306388" y="557213"/>
-            <a:ext cx="6981825" cy="400110"/>
+            <a:ext cx="6981825" cy="400050"/>
           </a:xfrm>
           <a:prstGeom prst="rect">
             <a:avLst/>
@@ -7238,7 +7471,7 @@
                 <a:latin typeface="Arial" charset="0"/>
                 <a:cs typeface="Arial"/>
               </a:rPr>
-              <a:t>Ferramentas</a:t>
+              <a:t>Metodologias</a:t>
             </a:r>
             <a:endParaRPr lang="pt-PT" sz="2000" b="1" dirty="0">
               <a:effectLst>
@@ -7515,17 +7748,13 @@
             </a:pPr>
             <a:r>
               <a:rPr lang="pt-PT" sz="1000" b="1" dirty="0"/>
-              <a:t>@2022/2023 – Algoritmo k-</a:t>
+              <a:t>@2022/2023 – Análise de Sentimentos de Amazon </a:t>
             </a:r>
             <a:r>
               <a:rPr lang="pt-PT" sz="1000" b="1" dirty="0" err="1"/>
-              <a:t>Means</a:t>
-            </a:r>
-            <a:endParaRPr lang="pt-PT" sz="1000" b="1" i="1" dirty="0">
-              <a:solidFill>
-                <a:srgbClr val="C00000"/>
-              </a:solidFill>
-            </a:endParaRPr>
+              <a:t>Reviews</a:t>
+            </a:r>
+            <a:endParaRPr lang="pt-PT" sz="1000" b="1" dirty="0"/>
           </a:p>
         </p:txBody>
       </p:sp>
@@ -7543,8 +7772,8 @@
         </p:nvSpPr>
         <p:spPr>
           <a:xfrm>
-            <a:off x="419100" y="1087714"/>
-            <a:ext cx="8305800" cy="619721"/>
+            <a:off x="419100" y="1887290"/>
+            <a:ext cx="8305800" cy="3074624"/>
           </a:xfrm>
           <a:prstGeom prst="rect">
             <a:avLst/>
@@ -7573,9 +7802,129 @@
                 <a:latin typeface="Arial"/>
                 <a:cs typeface="Arial"/>
               </a:rPr>
-              <a:t>■</a:t>
-            </a:r>
-            <a:endParaRPr lang="pt-PT" sz="2000" dirty="0"/>
+              <a:t>■ </a:t>
+            </a:r>
+            <a:r>
+              <a:rPr lang="pt-PT" sz="2000" i="1" dirty="0" err="1">
+                <a:latin typeface="Arial"/>
+                <a:cs typeface="Arial"/>
+              </a:rPr>
+              <a:t>Naive</a:t>
+            </a:r>
+            <a:r>
+              <a:rPr lang="pt-PT" sz="2000" i="1" dirty="0">
+                <a:latin typeface="Arial"/>
+                <a:cs typeface="Arial"/>
+              </a:rPr>
+              <a:t> </a:t>
+            </a:r>
+            <a:r>
+              <a:rPr lang="pt-PT" sz="2000" i="1" dirty="0" err="1">
+                <a:latin typeface="Arial"/>
+                <a:cs typeface="Arial"/>
+              </a:rPr>
+              <a:t>Bayes</a:t>
+            </a:r>
+            <a:endParaRPr lang="pt-PT" sz="2000" i="1" dirty="0">
+              <a:latin typeface="Arial"/>
+              <a:cs typeface="Arial"/>
+            </a:endParaRPr>
+          </a:p>
+          <a:p>
+            <a:pPr>
+              <a:lnSpc>
+                <a:spcPct val="200000"/>
+              </a:lnSpc>
+            </a:pPr>
+            <a:r>
+              <a:rPr lang="pt-PT" sz="2000" i="1" dirty="0">
+                <a:solidFill>
+                  <a:srgbClr val="FFC000"/>
+                </a:solidFill>
+                <a:latin typeface="Arial"/>
+                <a:cs typeface="Arial"/>
+              </a:rPr>
+              <a:t>■ </a:t>
+            </a:r>
+            <a:r>
+              <a:rPr lang="pt-PT" sz="2000" i="1" dirty="0">
+                <a:latin typeface="Arial"/>
+                <a:cs typeface="Arial"/>
+              </a:rPr>
+              <a:t>Regressão Logística </a:t>
+            </a:r>
+          </a:p>
+          <a:p>
+            <a:pPr>
+              <a:lnSpc>
+                <a:spcPct val="200000"/>
+              </a:lnSpc>
+            </a:pPr>
+            <a:r>
+              <a:rPr lang="pt-PT" sz="2000" i="1" dirty="0">
+                <a:solidFill>
+                  <a:srgbClr val="FFC000"/>
+                </a:solidFill>
+                <a:latin typeface="Arial"/>
+                <a:cs typeface="Arial"/>
+              </a:rPr>
+              <a:t>■ </a:t>
+            </a:r>
+            <a:r>
+              <a:rPr lang="pt-PT" sz="2000" i="1" dirty="0">
+                <a:latin typeface="Arial"/>
+                <a:cs typeface="Arial"/>
+              </a:rPr>
+              <a:t>Máquinas de Vetores de Suporte</a:t>
+            </a:r>
+          </a:p>
+          <a:p>
+            <a:pPr>
+              <a:lnSpc>
+                <a:spcPct val="200000"/>
+              </a:lnSpc>
+            </a:pPr>
+            <a:r>
+              <a:rPr lang="pt-PT" sz="2000" i="1" dirty="0">
+                <a:solidFill>
+                  <a:srgbClr val="FFC000"/>
+                </a:solidFill>
+                <a:latin typeface="Arial"/>
+                <a:cs typeface="Arial"/>
+              </a:rPr>
+              <a:t>■ </a:t>
+            </a:r>
+            <a:r>
+              <a:rPr lang="pt-PT" sz="2000" i="1" dirty="0">
+                <a:latin typeface="Arial"/>
+                <a:cs typeface="Arial"/>
+              </a:rPr>
+              <a:t>Árvore de Decisão</a:t>
+            </a:r>
+          </a:p>
+          <a:p>
+            <a:pPr>
+              <a:lnSpc>
+                <a:spcPct val="200000"/>
+              </a:lnSpc>
+            </a:pPr>
+            <a:r>
+              <a:rPr lang="pt-PT" sz="2000" i="1" dirty="0">
+                <a:solidFill>
+                  <a:srgbClr val="FFC000"/>
+                </a:solidFill>
+                <a:latin typeface="Arial"/>
+                <a:cs typeface="Arial"/>
+              </a:rPr>
+              <a:t>■ </a:t>
+            </a:r>
+            <a:r>
+              <a:rPr lang="pt-PT" sz="2000" i="1" dirty="0">
+                <a:latin typeface="Arial"/>
+                <a:cs typeface="Arial"/>
+              </a:rPr>
+              <a:t>Redes Neuronais Artificiais</a:t>
+            </a:r>
           </a:p>
         </p:txBody>
       </p:sp>
@@ -7713,7 +8062,1224 @@
     </p:spTree>
     <p:extLst>
       <p:ext uri="{BB962C8B-B14F-4D97-AF65-F5344CB8AC3E}">
+        <p14:creationId xmlns:p14="http://schemas.microsoft.com/office/powerpoint/2010/main" val="40492602"/>
+      </p:ext>
+    </p:extLst>
+  </p:cSld>
+  <p:clrMapOvr>
+    <a:masterClrMapping/>
+  </p:clrMapOvr>
+</p:sld>
+</file>
+
+<file path=ppt/slides/slide7.xml><?xml version="1.0" encoding="utf-8"?>
+<p:sld xmlns:a="http://schemas.openxmlformats.org/drawingml/2006/main" xmlns:r="http://schemas.openxmlformats.org/officeDocument/2006/relationships" xmlns:p="http://schemas.openxmlformats.org/presentationml/2006/main">
+  <p:cSld>
+    <p:spTree>
+      <p:nvGrpSpPr>
+        <p:cNvPr id="1" name=""/>
+        <p:cNvGrpSpPr/>
+        <p:nvPr/>
+      </p:nvGrpSpPr>
+      <p:grpSpPr>
+        <a:xfrm>
+          <a:off x="0" y="0"/>
+          <a:ext cx="0" cy="0"/>
+          <a:chOff x="0" y="0"/>
+          <a:chExt cx="0" cy="0"/>
+        </a:xfrm>
+      </p:grpSpPr>
+      <p:sp>
+        <p:nvSpPr>
+          <p:cNvPr id="10245" name="Line 12"/>
+          <p:cNvSpPr>
+            <a:spLocks noChangeShapeType="1"/>
+          </p:cNvSpPr>
+          <p:nvPr/>
+        </p:nvSpPr>
+        <p:spPr bwMode="auto">
+          <a:xfrm>
+            <a:off x="0" y="981075"/>
+            <a:ext cx="9150350" cy="0"/>
+          </a:xfrm>
+          <a:prstGeom prst="line">
+            <a:avLst/>
+          </a:prstGeom>
+          <a:noFill/>
+          <a:ln w="9525">
+            <a:solidFill>
+              <a:srgbClr val="FF9900"/>
+            </a:solidFill>
+            <a:round/>
+            <a:headEnd/>
+            <a:tailEnd/>
+          </a:ln>
+        </p:spPr>
+        <p:txBody>
+          <a:bodyPr/>
+          <a:lstStyle/>
+          <a:p>
+            <a:endParaRPr lang="pt-PT"/>
+          </a:p>
+        </p:txBody>
+      </p:sp>
+      <p:sp>
+        <p:nvSpPr>
+          <p:cNvPr id="9229" name="Text Box 13"/>
+          <p:cNvSpPr txBox="1">
+            <a:spLocks noChangeArrowheads="1"/>
+          </p:cNvSpPr>
+          <p:nvPr/>
+        </p:nvSpPr>
+        <p:spPr bwMode="auto">
+          <a:xfrm>
+            <a:off x="306388" y="557213"/>
+            <a:ext cx="6981825" cy="400110"/>
+          </a:xfrm>
+          <a:prstGeom prst="rect">
+            <a:avLst/>
+          </a:prstGeom>
+          <a:noFill/>
+          <a:ln w="9525">
+            <a:noFill/>
+            <a:miter lim="800000"/>
+            <a:headEnd/>
+            <a:tailEnd/>
+          </a:ln>
+          <a:effectLst/>
+        </p:spPr>
+        <p:txBody>
+          <a:bodyPr>
+            <a:spAutoFit/>
+          </a:bodyPr>
+          <a:lstStyle/>
+          <a:p>
+            <a:pPr>
+              <a:spcBef>
+                <a:spcPct val="50000"/>
+              </a:spcBef>
+              <a:defRPr/>
+            </a:pPr>
+            <a:r>
+              <a:rPr lang="pt-PT" sz="2000" b="1" dirty="0">
+                <a:solidFill>
+                  <a:srgbClr val="C00000"/>
+                </a:solidFill>
+                <a:effectLst>
+                  <a:outerShdw blurRad="38100" dist="38100" dir="2700000" algn="tl">
+                    <a:srgbClr val="C0C0C0"/>
+                  </a:outerShdw>
+                </a:effectLst>
+                <a:latin typeface="Arial"/>
+                <a:cs typeface="Arial"/>
+              </a:rPr>
+              <a:t>■</a:t>
+            </a:r>
+            <a:r>
+              <a:rPr lang="pt-PT" sz="2000" b="1" dirty="0">
+                <a:effectLst>
+                  <a:outerShdw blurRad="38100" dist="38100" dir="2700000" algn="tl">
+                    <a:srgbClr val="C0C0C0"/>
+                  </a:outerShdw>
+                </a:effectLst>
+                <a:latin typeface="Arial"/>
+                <a:cs typeface="Arial"/>
+              </a:rPr>
+              <a:t> 6. </a:t>
+            </a:r>
+            <a:r>
+              <a:rPr lang="pt-PT" sz="2000" b="1" dirty="0">
+                <a:effectLst>
+                  <a:outerShdw blurRad="38100" dist="38100" dir="2700000" algn="tl">
+                    <a:srgbClr val="C0C0C0"/>
+                  </a:outerShdw>
+                </a:effectLst>
+                <a:latin typeface="Arial" charset="0"/>
+                <a:cs typeface="Arial"/>
+              </a:rPr>
+              <a:t>Ferramentas</a:t>
+            </a:r>
+            <a:endParaRPr lang="pt-PT" sz="2000" b="1" dirty="0">
+              <a:effectLst>
+                <a:outerShdw blurRad="38100" dist="38100" dir="2700000" algn="tl">
+                  <a:srgbClr val="C0C0C0"/>
+                </a:outerShdw>
+              </a:effectLst>
+              <a:latin typeface="Arial" charset="0"/>
+            </a:endParaRPr>
+          </a:p>
+        </p:txBody>
+      </p:sp>
+      <p:sp>
+        <p:nvSpPr>
+          <p:cNvPr id="10247" name="Line 15"/>
+          <p:cNvSpPr>
+            <a:spLocks noChangeShapeType="1"/>
+          </p:cNvSpPr>
+          <p:nvPr/>
+        </p:nvSpPr>
+        <p:spPr bwMode="auto">
+          <a:xfrm>
+            <a:off x="250825" y="0"/>
+            <a:ext cx="0" cy="765175"/>
+          </a:xfrm>
+          <a:prstGeom prst="line">
+            <a:avLst/>
+          </a:prstGeom>
+          <a:noFill/>
+          <a:ln w="25400">
+            <a:solidFill>
+              <a:schemeClr val="tx1"/>
+            </a:solidFill>
+            <a:round/>
+            <a:headEnd/>
+            <a:tailEnd/>
+          </a:ln>
+        </p:spPr>
+        <p:txBody>
+          <a:bodyPr/>
+          <a:lstStyle/>
+          <a:p>
+            <a:endParaRPr lang="pt-PT"/>
+          </a:p>
+        </p:txBody>
+      </p:sp>
+      <p:sp>
+        <p:nvSpPr>
+          <p:cNvPr id="9237" name="Text Box 21"/>
+          <p:cNvSpPr txBox="1">
+            <a:spLocks noChangeArrowheads="1"/>
+          </p:cNvSpPr>
+          <p:nvPr/>
+        </p:nvSpPr>
+        <p:spPr bwMode="auto">
+          <a:xfrm>
+            <a:off x="260350" y="44450"/>
+            <a:ext cx="6981825" cy="304800"/>
+          </a:xfrm>
+          <a:prstGeom prst="rect">
+            <a:avLst/>
+          </a:prstGeom>
+          <a:noFill/>
+          <a:ln w="9525">
+            <a:noFill/>
+            <a:miter lim="800000"/>
+            <a:headEnd/>
+            <a:tailEnd/>
+          </a:ln>
+          <a:effectLst/>
+        </p:spPr>
+        <p:txBody>
+          <a:bodyPr>
+            <a:spAutoFit/>
+          </a:bodyPr>
+          <a:lstStyle/>
+          <a:p>
+            <a:pPr>
+              <a:spcBef>
+                <a:spcPct val="50000"/>
+              </a:spcBef>
+              <a:defRPr/>
+            </a:pPr>
+            <a:endParaRPr lang="pt-PT" sz="1400" b="1" dirty="0">
+              <a:solidFill>
+                <a:srgbClr val="FF3300"/>
+              </a:solidFill>
+              <a:effectLst>
+                <a:outerShdw blurRad="38100" dist="38100" dir="2700000" algn="tl">
+                  <a:srgbClr val="C0C0C0"/>
+                </a:outerShdw>
+              </a:effectLst>
+              <a:latin typeface="Arial" charset="0"/>
+            </a:endParaRPr>
+          </a:p>
+        </p:txBody>
+      </p:sp>
+      <p:sp>
+        <p:nvSpPr>
+          <p:cNvPr id="4" name="Line 9">
+            <a:extLst>
+              <a:ext uri="{FF2B5EF4-FFF2-40B4-BE49-F238E27FC236}">
+                <a16:creationId xmlns:a16="http://schemas.microsoft.com/office/drawing/2014/main" id="{94CFBC5A-2BEC-4B95-9122-2517652F119E}"/>
+              </a:ext>
+            </a:extLst>
+          </p:cNvPr>
+          <p:cNvSpPr>
+            <a:spLocks noChangeShapeType="1"/>
+          </p:cNvSpPr>
+          <p:nvPr/>
+        </p:nvSpPr>
+        <p:spPr bwMode="auto">
+          <a:xfrm>
+            <a:off x="0" y="6400800"/>
+            <a:ext cx="9150350" cy="0"/>
+          </a:xfrm>
+          <a:prstGeom prst="line">
+            <a:avLst/>
+          </a:prstGeom>
+          <a:noFill/>
+          <a:ln w="9525">
+            <a:solidFill>
+              <a:srgbClr val="FF9900"/>
+            </a:solidFill>
+            <a:round/>
+            <a:headEnd/>
+            <a:tailEnd/>
+          </a:ln>
+        </p:spPr>
+        <p:txBody>
+          <a:bodyPr/>
+          <a:lstStyle/>
+          <a:p>
+            <a:endParaRPr lang="pt-PT"/>
+          </a:p>
+        </p:txBody>
+      </p:sp>
+      <p:sp>
+        <p:nvSpPr>
+          <p:cNvPr id="5" name="Text Box 10">
+            <a:extLst>
+              <a:ext uri="{FF2B5EF4-FFF2-40B4-BE49-F238E27FC236}">
+                <a16:creationId xmlns:a16="http://schemas.microsoft.com/office/drawing/2014/main" id="{056A0BF7-C320-484A-B082-E75682DDC92B}"/>
+              </a:ext>
+            </a:extLst>
+          </p:cNvPr>
+          <p:cNvSpPr txBox="1">
+            <a:spLocks noChangeArrowheads="1"/>
+          </p:cNvSpPr>
+          <p:nvPr/>
+        </p:nvSpPr>
+        <p:spPr bwMode="auto">
+          <a:xfrm>
+            <a:off x="8288338" y="6296025"/>
+            <a:ext cx="827087" cy="366713"/>
+          </a:xfrm>
+          <a:prstGeom prst="rect">
+            <a:avLst/>
+          </a:prstGeom>
+          <a:noFill/>
+          <a:ln w="9525">
+            <a:noFill/>
+            <a:miter lim="800000"/>
+            <a:headEnd/>
+            <a:tailEnd/>
+          </a:ln>
+        </p:spPr>
+        <p:txBody>
+          <a:bodyPr>
+            <a:spAutoFit/>
+          </a:bodyPr>
+          <a:lstStyle/>
+          <a:p>
+            <a:pPr>
+              <a:spcBef>
+                <a:spcPct val="50000"/>
+              </a:spcBef>
+            </a:pPr>
+            <a:endParaRPr lang="pt-PT"/>
+          </a:p>
+        </p:txBody>
+      </p:sp>
+      <p:sp>
+        <p:nvSpPr>
+          <p:cNvPr id="6" name="Rectangle 11">
+            <a:extLst>
+              <a:ext uri="{FF2B5EF4-FFF2-40B4-BE49-F238E27FC236}">
+                <a16:creationId xmlns:a16="http://schemas.microsoft.com/office/drawing/2014/main" id="{3FA1D4C1-DF59-4837-AE58-6FCE52699B3E}"/>
+              </a:ext>
+            </a:extLst>
+          </p:cNvPr>
+          <p:cNvSpPr>
+            <a:spLocks noChangeArrowheads="1"/>
+          </p:cNvSpPr>
+          <p:nvPr/>
+        </p:nvSpPr>
+        <p:spPr bwMode="auto">
+          <a:xfrm>
+            <a:off x="8207375" y="6597650"/>
+            <a:ext cx="936625" cy="260350"/>
+          </a:xfrm>
+          <a:prstGeom prst="rect">
+            <a:avLst/>
+          </a:prstGeom>
+          <a:noFill/>
+          <a:ln w="9525">
+            <a:noFill/>
+            <a:miter lim="800000"/>
+            <a:headEnd/>
+            <a:tailEnd/>
+          </a:ln>
+        </p:spPr>
+        <p:txBody>
+          <a:bodyPr anchor="ctr"/>
+          <a:lstStyle/>
+          <a:p>
+            <a:pPr algn="ctr"/>
+            <a:r>
+              <a:rPr lang="pt-PT" sz="1000" dirty="0"/>
+              <a:t>- </a:t>
+            </a:r>
+            <a:fld id="{1234D2FF-8FB9-47A1-B8C9-42A5F500BA2F}" type="slidenum">
+              <a:rPr lang="pt-PT" sz="1000"/>
+              <a:pPr algn="ctr"/>
+              <a:t>7</a:t>
+            </a:fld>
+            <a:r>
+              <a:rPr lang="pt-PT" sz="1000" dirty="0"/>
+              <a:t> -</a:t>
+            </a:r>
+          </a:p>
+        </p:txBody>
+      </p:sp>
+      <p:sp>
+        <p:nvSpPr>
+          <p:cNvPr id="7" name="Rectângulo 10">
+            <a:extLst>
+              <a:ext uri="{FF2B5EF4-FFF2-40B4-BE49-F238E27FC236}">
+                <a16:creationId xmlns:a16="http://schemas.microsoft.com/office/drawing/2014/main" id="{61680BFE-3DF9-46CB-889D-ABCA07F65F06}"/>
+              </a:ext>
+            </a:extLst>
+          </p:cNvPr>
+          <p:cNvSpPr>
+            <a:spLocks noChangeArrowheads="1"/>
+          </p:cNvSpPr>
+          <p:nvPr/>
+        </p:nvSpPr>
+        <p:spPr bwMode="auto">
+          <a:xfrm>
+            <a:off x="0" y="6400800"/>
+            <a:ext cx="5410200" cy="299313"/>
+          </a:xfrm>
+          <a:prstGeom prst="rect">
+            <a:avLst/>
+          </a:prstGeom>
+          <a:noFill/>
+          <a:ln w="9525">
+            <a:noFill/>
+            <a:miter lim="800000"/>
+            <a:headEnd/>
+            <a:tailEnd/>
+          </a:ln>
+        </p:spPr>
+        <p:txBody>
+          <a:bodyPr wrap="square">
+            <a:spAutoFit/>
+          </a:bodyPr>
+          <a:lstStyle/>
+          <a:p>
+            <a:pPr>
+              <a:lnSpc>
+                <a:spcPct val="150000"/>
+              </a:lnSpc>
+            </a:pPr>
+            <a:r>
+              <a:rPr lang="pt-PT" sz="1000" b="1" dirty="0"/>
+              <a:t>@2022/2023 – Análise de Sentimentos de Amazon </a:t>
+            </a:r>
+            <a:r>
+              <a:rPr lang="pt-PT" sz="1000" b="1" dirty="0" err="1"/>
+              <a:t>Reviews</a:t>
+            </a:r>
+            <a:endParaRPr lang="pt-PT" sz="1000" b="1" dirty="0"/>
+          </a:p>
+        </p:txBody>
+      </p:sp>
+      <p:sp>
+        <p:nvSpPr>
+          <p:cNvPr id="12" name="CaixaDeTexto 11">
+            <a:extLst>
+              <a:ext uri="{FF2B5EF4-FFF2-40B4-BE49-F238E27FC236}">
+                <a16:creationId xmlns:a16="http://schemas.microsoft.com/office/drawing/2014/main" id="{E11EED7C-F203-447C-8DD1-A9C2FABC7866}"/>
+              </a:ext>
+            </a:extLst>
+          </p:cNvPr>
+          <p:cNvSpPr txBox="1"/>
+          <p:nvPr/>
+        </p:nvSpPr>
+        <p:spPr>
+          <a:xfrm>
+            <a:off x="419100" y="1087714"/>
+            <a:ext cx="8305800" cy="619721"/>
+          </a:xfrm>
+          <a:prstGeom prst="rect">
+            <a:avLst/>
+          </a:prstGeom>
+          <a:noFill/>
+          <a:ln>
+            <a:noFill/>
+          </a:ln>
+        </p:spPr>
+        <p:txBody>
+          <a:bodyPr wrap="square" rtlCol="0">
+            <a:spAutoFit/>
+          </a:bodyPr>
+          <a:lstStyle/>
+          <a:p>
+            <a:pPr>
+              <a:lnSpc>
+                <a:spcPct val="200000"/>
+              </a:lnSpc>
+            </a:pPr>
+            <a:r>
+              <a:rPr lang="pt-PT" sz="2000" i="1" dirty="0">
+                <a:solidFill>
+                  <a:srgbClr val="FFC000"/>
+                </a:solidFill>
+                <a:latin typeface="Arial"/>
+                <a:cs typeface="Arial"/>
+              </a:rPr>
+              <a:t>■</a:t>
+            </a:r>
+            <a:endParaRPr lang="pt-PT" sz="2000" dirty="0"/>
+          </a:p>
+        </p:txBody>
+      </p:sp>
+      <p:sp>
+        <p:nvSpPr>
+          <p:cNvPr id="15" name="Rectângulo 19">
+            <a:extLst>
+              <a:ext uri="{FF2B5EF4-FFF2-40B4-BE49-F238E27FC236}">
+                <a16:creationId xmlns:a16="http://schemas.microsoft.com/office/drawing/2014/main" id="{309057DF-86E4-413D-AC38-2D9491158B43}"/>
+              </a:ext>
+            </a:extLst>
+          </p:cNvPr>
+          <p:cNvSpPr/>
+          <p:nvPr/>
+        </p:nvSpPr>
+        <p:spPr>
+          <a:xfrm>
+            <a:off x="4673225" y="132281"/>
+            <a:ext cx="3505200" cy="261610"/>
+          </a:xfrm>
+          <a:prstGeom prst="rect">
+            <a:avLst/>
+          </a:prstGeom>
+        </p:spPr>
+        <p:txBody>
+          <a:bodyPr wrap="square">
+            <a:spAutoFit/>
+          </a:bodyPr>
+          <a:lstStyle/>
+          <a:p>
+            <a:pPr algn="r"/>
+            <a:r>
+              <a:rPr lang="pt-PT" sz="1100" b="1" cap="all" dirty="0"/>
+              <a:t>Mestrado em Engenharia Informática</a:t>
+            </a:r>
+          </a:p>
+        </p:txBody>
+      </p:sp>
+      <p:sp>
+        <p:nvSpPr>
+          <p:cNvPr id="16" name="Rectângulo 14">
+            <a:extLst>
+              <a:ext uri="{FF2B5EF4-FFF2-40B4-BE49-F238E27FC236}">
+                <a16:creationId xmlns:a16="http://schemas.microsoft.com/office/drawing/2014/main" id="{7842195F-360C-4E2E-B0F6-F5C0E64B1D4E}"/>
+              </a:ext>
+            </a:extLst>
+          </p:cNvPr>
+          <p:cNvSpPr/>
+          <p:nvPr/>
+        </p:nvSpPr>
+        <p:spPr>
+          <a:xfrm>
+            <a:off x="5867400" y="490354"/>
+            <a:ext cx="2205732" cy="369332"/>
+          </a:xfrm>
+          <a:prstGeom prst="rect">
+            <a:avLst/>
+          </a:prstGeom>
+        </p:spPr>
+        <p:txBody>
+          <a:bodyPr wrap="none">
+            <a:spAutoFit/>
+          </a:bodyPr>
+          <a:lstStyle/>
+          <a:p>
+            <a:pPr>
+              <a:spcBef>
+                <a:spcPct val="50000"/>
+              </a:spcBef>
+              <a:defRPr/>
+            </a:pPr>
+            <a:r>
+              <a:rPr lang="pt-PT" b="1" dirty="0">
+                <a:solidFill>
+                  <a:srgbClr val="FF3300"/>
+                </a:solidFill>
+                <a:effectLst>
+                  <a:outerShdw blurRad="38100" dist="38100" dir="2700000" algn="tl">
+                    <a:srgbClr val="C0C0C0"/>
+                  </a:outerShdw>
+                </a:effectLst>
+              </a:rPr>
+              <a:t>Mineração de Dados </a:t>
+            </a:r>
+          </a:p>
+        </p:txBody>
+      </p:sp>
+      <p:pic>
+        <p:nvPicPr>
+          <p:cNvPr id="2052" name="Picture 4" descr="Mapas">
+            <a:extLst>
+              <a:ext uri="{FF2B5EF4-FFF2-40B4-BE49-F238E27FC236}">
+                <a16:creationId xmlns:a16="http://schemas.microsoft.com/office/drawing/2014/main" id="{E87F1189-0489-903F-12B7-260FDB87E800}"/>
+              </a:ext>
+            </a:extLst>
+          </p:cNvPr>
+          <p:cNvPicPr>
+            <a:picLocks noChangeAspect="1" noChangeArrowheads="1"/>
+          </p:cNvPicPr>
+          <p:nvPr/>
+        </p:nvPicPr>
+        <p:blipFill>
+          <a:blip r:embed="rId3" cstate="print">
+            <a:extLst>
+              <a:ext uri="{28A0092B-C50C-407E-A947-70E740481C1C}">
+                <a14:useLocalDpi xmlns:a14="http://schemas.microsoft.com/office/drawing/2010/main" val="0"/>
+              </a:ext>
+            </a:extLst>
+          </a:blip>
+          <a:srcRect/>
+          <a:stretch>
+            <a:fillRect/>
+          </a:stretch>
+        </p:blipFill>
+        <p:spPr bwMode="auto">
+          <a:xfrm>
+            <a:off x="8372756" y="76200"/>
+            <a:ext cx="618844" cy="720000"/>
+          </a:xfrm>
+          <a:prstGeom prst="rect">
+            <a:avLst/>
+          </a:prstGeom>
+          <a:noFill/>
+          <a:extLst>
+            <a:ext uri="{909E8E84-426E-40DD-AFC4-6F175D3DCCD1}">
+              <a14:hiddenFill xmlns:a14="http://schemas.microsoft.com/office/drawing/2010/main">
+                <a:solidFill>
+                  <a:srgbClr val="FFFFFF"/>
+                </a:solidFill>
+              </a14:hiddenFill>
+            </a:ext>
+          </a:extLst>
+        </p:spPr>
+      </p:pic>
+    </p:spTree>
+    <p:extLst>
+      <p:ext uri="{BB962C8B-B14F-4D97-AF65-F5344CB8AC3E}">
         <p14:creationId xmlns:p14="http://schemas.microsoft.com/office/powerpoint/2010/main" val="1667838196"/>
+      </p:ext>
+    </p:extLst>
+  </p:cSld>
+  <p:clrMapOvr>
+    <a:masterClrMapping/>
+  </p:clrMapOvr>
+</p:sld>
+</file>
+
+<file path=ppt/slides/slide8.xml><?xml version="1.0" encoding="utf-8"?>
+<p:sld xmlns:a="http://schemas.openxmlformats.org/drawingml/2006/main" xmlns:r="http://schemas.openxmlformats.org/officeDocument/2006/relationships" xmlns:p="http://schemas.openxmlformats.org/presentationml/2006/main">
+  <p:cSld>
+    <p:spTree>
+      <p:nvGrpSpPr>
+        <p:cNvPr id="1" name=""/>
+        <p:cNvGrpSpPr/>
+        <p:nvPr/>
+      </p:nvGrpSpPr>
+      <p:grpSpPr>
+        <a:xfrm>
+          <a:off x="0" y="0"/>
+          <a:ext cx="0" cy="0"/>
+          <a:chOff x="0" y="0"/>
+          <a:chExt cx="0" cy="0"/>
+        </a:xfrm>
+      </p:grpSpPr>
+      <p:sp>
+        <p:nvSpPr>
+          <p:cNvPr id="4" name="Text Box 12"/>
+          <p:cNvSpPr txBox="1">
+            <a:spLocks noChangeArrowheads="1"/>
+          </p:cNvSpPr>
+          <p:nvPr/>
+        </p:nvSpPr>
+        <p:spPr bwMode="auto">
+          <a:xfrm>
+            <a:off x="3656806" y="1579482"/>
+            <a:ext cx="7129462" cy="1468437"/>
+          </a:xfrm>
+          <a:prstGeom prst="rect">
+            <a:avLst/>
+          </a:prstGeom>
+          <a:noFill/>
+          <a:ln w="9525" cap="rnd">
+            <a:solidFill>
+              <a:schemeClr val="tx1"/>
+            </a:solidFill>
+            <a:prstDash val="sysDot"/>
+            <a:miter lim="800000"/>
+            <a:headEnd/>
+            <a:tailEnd/>
+          </a:ln>
+        </p:spPr>
+        <p:txBody>
+          <a:bodyPr/>
+          <a:lstStyle/>
+          <a:p>
+            <a:pPr>
+              <a:spcBef>
+                <a:spcPct val="50000"/>
+              </a:spcBef>
+            </a:pPr>
+            <a:endParaRPr lang="pt-PT"/>
+          </a:p>
+        </p:txBody>
+      </p:sp>
+      <p:sp>
+        <p:nvSpPr>
+          <p:cNvPr id="5" name="Rectangle 9"/>
+          <p:cNvSpPr>
+            <a:spLocks noChangeArrowheads="1"/>
+          </p:cNvSpPr>
+          <p:nvPr/>
+        </p:nvSpPr>
+        <p:spPr bwMode="auto">
+          <a:xfrm>
+            <a:off x="5867400" y="3962400"/>
+            <a:ext cx="5029200" cy="1844675"/>
+          </a:xfrm>
+          <a:prstGeom prst="rect">
+            <a:avLst/>
+          </a:prstGeom>
+          <a:noFill/>
+          <a:ln w="9525">
+            <a:noFill/>
+            <a:miter lim="800000"/>
+            <a:headEnd/>
+            <a:tailEnd/>
+          </a:ln>
+        </p:spPr>
+        <p:txBody>
+          <a:bodyPr anchor="ctr"/>
+          <a:lstStyle/>
+          <a:p>
+            <a:pPr>
+              <a:lnSpc>
+                <a:spcPct val="150000"/>
+              </a:lnSpc>
+            </a:pPr>
+            <a:endParaRPr lang="pt-PT" sz="1200" b="1" dirty="0"/>
+          </a:p>
+          <a:p>
+            <a:pPr>
+              <a:lnSpc>
+                <a:spcPct val="150000"/>
+              </a:lnSpc>
+            </a:pPr>
+            <a:r>
+              <a:rPr lang="pt-PT" sz="1200" b="1" dirty="0">
+                <a:solidFill>
+                  <a:srgbClr val="FFC000"/>
+                </a:solidFill>
+                <a:latin typeface="Arial"/>
+                <a:cs typeface="Arial"/>
+              </a:rPr>
+              <a:t>■</a:t>
+            </a:r>
+            <a:r>
+              <a:rPr lang="pt-PT" sz="1200" b="1" dirty="0">
+                <a:latin typeface="Arial"/>
+                <a:cs typeface="Arial"/>
+              </a:rPr>
+              <a:t> Docentes</a:t>
+            </a:r>
+            <a:r>
+              <a:rPr lang="pt-PT" sz="1200" b="1" dirty="0"/>
+              <a:t>: Prof. Rui Mendes</a:t>
+            </a:r>
+          </a:p>
+          <a:p>
+            <a:pPr>
+              <a:lnSpc>
+                <a:spcPct val="150000"/>
+              </a:lnSpc>
+            </a:pPr>
+            <a:r>
+              <a:rPr lang="pt-PT" sz="1200" b="1" dirty="0"/>
+              <a:t>	Prof. Miguel Rocha</a:t>
+            </a:r>
+          </a:p>
+          <a:p>
+            <a:pPr>
+              <a:lnSpc>
+                <a:spcPct val="150000"/>
+              </a:lnSpc>
+            </a:pPr>
+            <a:r>
+              <a:rPr lang="pt-PT" sz="1200" b="1" dirty="0"/>
+              <a:t>	</a:t>
+            </a:r>
+            <a:endParaRPr lang="pt-PT" sz="1100" dirty="0">
+              <a:solidFill>
+                <a:schemeClr val="tx2"/>
+              </a:solidFill>
+            </a:endParaRPr>
+          </a:p>
+          <a:p>
+            <a:pPr>
+              <a:lnSpc>
+                <a:spcPct val="150000"/>
+              </a:lnSpc>
+            </a:pPr>
+            <a:r>
+              <a:rPr lang="pt-PT" sz="1100" dirty="0">
+                <a:solidFill>
+                  <a:schemeClr val="tx2"/>
+                </a:solidFill>
+              </a:rPr>
+              <a:t>Universidade do Minho </a:t>
+            </a:r>
+          </a:p>
+          <a:p>
+            <a:pPr>
+              <a:lnSpc>
+                <a:spcPct val="150000"/>
+              </a:lnSpc>
+            </a:pPr>
+            <a:r>
+              <a:rPr lang="pt-PT" sz="1100" dirty="0" err="1">
+                <a:solidFill>
+                  <a:schemeClr val="tx2"/>
+                </a:solidFill>
+              </a:rPr>
+              <a:t>https</a:t>
+            </a:r>
+            <a:r>
+              <a:rPr lang="pt-PT" sz="1100" dirty="0">
+                <a:solidFill>
+                  <a:schemeClr val="tx2"/>
+                </a:solidFill>
+              </a:rPr>
+              <a:t>://</a:t>
+            </a:r>
+            <a:r>
+              <a:rPr lang="pt-PT" sz="1100" dirty="0" err="1">
+                <a:solidFill>
+                  <a:schemeClr val="tx2"/>
+                </a:solidFill>
+              </a:rPr>
+              <a:t>www.uminho.pt</a:t>
+            </a:r>
+            <a:r>
+              <a:rPr lang="pt-PT" sz="1100" dirty="0">
+                <a:solidFill>
+                  <a:schemeClr val="tx2"/>
+                </a:solidFill>
+              </a:rPr>
+              <a:t>/PT</a:t>
+            </a:r>
+            <a:br>
+              <a:rPr lang="pt-PT" sz="1200" dirty="0"/>
+            </a:br>
+            <a:endParaRPr lang="pt-PT" sz="1200" dirty="0"/>
+          </a:p>
+        </p:txBody>
+      </p:sp>
+      <p:sp>
+        <p:nvSpPr>
+          <p:cNvPr id="6" name="Line 9"/>
+          <p:cNvSpPr>
+            <a:spLocks noChangeShapeType="1"/>
+          </p:cNvSpPr>
+          <p:nvPr/>
+        </p:nvSpPr>
+        <p:spPr bwMode="auto">
+          <a:xfrm>
+            <a:off x="-6350" y="6173788"/>
+            <a:ext cx="9150350" cy="0"/>
+          </a:xfrm>
+          <a:prstGeom prst="line">
+            <a:avLst/>
+          </a:prstGeom>
+          <a:noFill/>
+          <a:ln w="9525">
+            <a:solidFill>
+              <a:srgbClr val="FF9900"/>
+            </a:solidFill>
+            <a:round/>
+            <a:headEnd/>
+            <a:tailEnd/>
+          </a:ln>
+        </p:spPr>
+        <p:txBody>
+          <a:bodyPr/>
+          <a:lstStyle/>
+          <a:p>
+            <a:endParaRPr lang="pt-PT"/>
+          </a:p>
+        </p:txBody>
+      </p:sp>
+      <p:sp>
+        <p:nvSpPr>
+          <p:cNvPr id="10" name="Rectângulo 9"/>
+          <p:cNvSpPr/>
+          <p:nvPr/>
+        </p:nvSpPr>
+        <p:spPr>
+          <a:xfrm>
+            <a:off x="1295400" y="446869"/>
+            <a:ext cx="7848600" cy="369332"/>
+          </a:xfrm>
+          <a:prstGeom prst="rect">
+            <a:avLst/>
+          </a:prstGeom>
+        </p:spPr>
+        <p:txBody>
+          <a:bodyPr wrap="square">
+            <a:spAutoFit/>
+          </a:bodyPr>
+          <a:lstStyle/>
+          <a:p>
+            <a:pPr algn="ctr"/>
+            <a:r>
+              <a:rPr lang="pt-PT" b="1" cap="all" dirty="0"/>
+              <a:t>MESTRADO em Engenharia Informática</a:t>
+            </a:r>
+            <a:endParaRPr lang="pt-PT" dirty="0"/>
+          </a:p>
+        </p:txBody>
+      </p:sp>
+      <p:sp>
+        <p:nvSpPr>
+          <p:cNvPr id="12" name="Text Box 11"/>
+          <p:cNvSpPr txBox="1">
+            <a:spLocks noChangeArrowheads="1"/>
+          </p:cNvSpPr>
+          <p:nvPr/>
+        </p:nvSpPr>
+        <p:spPr bwMode="auto">
+          <a:xfrm>
+            <a:off x="911831" y="3082215"/>
+            <a:ext cx="4191000" cy="1323439"/>
+          </a:xfrm>
+          <a:prstGeom prst="rect">
+            <a:avLst/>
+          </a:prstGeom>
+          <a:noFill/>
+          <a:ln w="9525">
+            <a:noFill/>
+            <a:miter lim="800000"/>
+            <a:headEnd/>
+            <a:tailEnd/>
+          </a:ln>
+        </p:spPr>
+        <p:txBody>
+          <a:bodyPr wrap="square">
+            <a:spAutoFit/>
+          </a:bodyPr>
+          <a:lstStyle/>
+          <a:p>
+            <a:pPr algn="just"/>
+            <a:endParaRPr lang="pt-PT" sz="2000" b="1" dirty="0">
+              <a:solidFill>
+                <a:schemeClr val="tx2"/>
+              </a:solidFill>
+            </a:endParaRPr>
+          </a:p>
+          <a:p>
+            <a:pPr algn="just"/>
+            <a:r>
+              <a:rPr lang="pt-PT" sz="2000" b="1" dirty="0">
+                <a:solidFill>
+                  <a:srgbClr val="FFC000"/>
+                </a:solidFill>
+                <a:cs typeface="Arial"/>
+              </a:rPr>
+              <a:t>■ </a:t>
+            </a:r>
+            <a:r>
+              <a:rPr lang="pt-PT" sz="2000" b="1" dirty="0">
+                <a:solidFill>
+                  <a:schemeClr val="tx2"/>
+                </a:solidFill>
+                <a:cs typeface="Arial"/>
+              </a:rPr>
+              <a:t>UC</a:t>
+            </a:r>
+            <a:r>
+              <a:rPr lang="pt-PT" sz="2000" b="1" dirty="0">
+                <a:solidFill>
+                  <a:schemeClr val="tx2"/>
+                </a:solidFill>
+              </a:rPr>
+              <a:t>: Mineração de Dados</a:t>
+            </a:r>
+            <a:endParaRPr lang="pt-PT" sz="2000" b="1" i="1" dirty="0">
+              <a:solidFill>
+                <a:schemeClr val="tx2"/>
+              </a:solidFill>
+            </a:endParaRPr>
+          </a:p>
+          <a:p>
+            <a:pPr algn="just"/>
+            <a:endParaRPr lang="pt-PT" sz="2000" i="1" dirty="0"/>
+          </a:p>
+          <a:p>
+            <a:pPr algn="just"/>
+            <a:endParaRPr lang="pt-PT" sz="2000" b="1" dirty="0">
+              <a:solidFill>
+                <a:srgbClr val="C00000"/>
+              </a:solidFill>
+            </a:endParaRPr>
+          </a:p>
+        </p:txBody>
+      </p:sp>
+      <p:sp>
+        <p:nvSpPr>
+          <p:cNvPr id="14" name="Text Box 11"/>
+          <p:cNvSpPr txBox="1">
+            <a:spLocks noChangeArrowheads="1"/>
+          </p:cNvSpPr>
+          <p:nvPr/>
+        </p:nvSpPr>
+        <p:spPr bwMode="auto">
+          <a:xfrm>
+            <a:off x="4267200" y="1871314"/>
+            <a:ext cx="4537075" cy="954107"/>
+          </a:xfrm>
+          <a:prstGeom prst="rect">
+            <a:avLst/>
+          </a:prstGeom>
+          <a:noFill/>
+          <a:ln w="9525">
+            <a:noFill/>
+            <a:miter lim="800000"/>
+            <a:headEnd/>
+            <a:tailEnd/>
+          </a:ln>
+        </p:spPr>
+        <p:txBody>
+          <a:bodyPr wrap="square">
+            <a:spAutoFit/>
+          </a:bodyPr>
+          <a:lstStyle/>
+          <a:p>
+            <a:pPr>
+              <a:spcBef>
+                <a:spcPct val="50000"/>
+              </a:spcBef>
+              <a:defRPr/>
+            </a:pPr>
+            <a:r>
+              <a:rPr lang="pt-PT" sz="2800" b="1" dirty="0">
+                <a:solidFill>
+                  <a:srgbClr val="FF3300"/>
+                </a:solidFill>
+                <a:effectLst>
+                  <a:outerShdw blurRad="38100" dist="38100" dir="2700000" algn="tl">
+                    <a:srgbClr val="C0C0C0"/>
+                  </a:outerShdw>
+                </a:effectLst>
+              </a:rPr>
+              <a:t>Análise de Sentimentos de Amazon </a:t>
+            </a:r>
+            <a:r>
+              <a:rPr lang="pt-PT" sz="2800" b="1" dirty="0" err="1">
+                <a:solidFill>
+                  <a:srgbClr val="FF3300"/>
+                </a:solidFill>
+                <a:effectLst>
+                  <a:outerShdw blurRad="38100" dist="38100" dir="2700000" algn="tl">
+                    <a:srgbClr val="C0C0C0"/>
+                  </a:outerShdw>
+                </a:effectLst>
+              </a:rPr>
+              <a:t>Reviews</a:t>
+            </a:r>
+            <a:endParaRPr lang="pt-PT" sz="2800" b="1" dirty="0">
+              <a:solidFill>
+                <a:srgbClr val="FF3300"/>
+              </a:solidFill>
+              <a:effectLst>
+                <a:outerShdw blurRad="38100" dist="38100" dir="2700000" algn="tl">
+                  <a:srgbClr val="C0C0C0"/>
+                </a:outerShdw>
+              </a:effectLst>
+            </a:endParaRPr>
+          </a:p>
+        </p:txBody>
+      </p:sp>
+      <p:sp>
+        <p:nvSpPr>
+          <p:cNvPr id="11" name="Text Box 11"/>
+          <p:cNvSpPr txBox="1">
+            <a:spLocks noChangeArrowheads="1"/>
+          </p:cNvSpPr>
+          <p:nvPr/>
+        </p:nvSpPr>
+        <p:spPr bwMode="auto">
+          <a:xfrm>
+            <a:off x="914400" y="4038600"/>
+            <a:ext cx="4191000" cy="2092881"/>
+          </a:xfrm>
+          <a:prstGeom prst="rect">
+            <a:avLst/>
+          </a:prstGeom>
+          <a:noFill/>
+          <a:ln w="9525">
+            <a:noFill/>
+            <a:miter lim="800000"/>
+            <a:headEnd/>
+            <a:tailEnd/>
+          </a:ln>
+        </p:spPr>
+        <p:txBody>
+          <a:bodyPr wrap="square">
+            <a:spAutoFit/>
+          </a:bodyPr>
+          <a:lstStyle/>
+          <a:p>
+            <a:pPr>
+              <a:lnSpc>
+                <a:spcPct val="150000"/>
+              </a:lnSpc>
+            </a:pPr>
+            <a:r>
+              <a:rPr lang="pt-PT" sz="2000" b="1" dirty="0"/>
+              <a:t>Bárbara Freixo - PG</a:t>
+            </a:r>
+            <a:r>
+              <a:rPr lang="pt-PT" sz="2000" b="1" i="0" dirty="0">
+                <a:solidFill>
+                  <a:srgbClr val="000000"/>
+                </a:solidFill>
+                <a:effectLst/>
+                <a:latin typeface="docs-Calibri"/>
+              </a:rPr>
+              <a:t>49169</a:t>
+            </a:r>
+            <a:endParaRPr lang="pt-PT" sz="2000" b="1" dirty="0"/>
+          </a:p>
+          <a:p>
+            <a:pPr>
+              <a:lnSpc>
+                <a:spcPct val="150000"/>
+              </a:lnSpc>
+            </a:pPr>
+            <a:r>
+              <a:rPr lang="pt-PT" sz="2000" b="1" dirty="0"/>
+              <a:t>Cátia Cardoso – PG51239</a:t>
+            </a:r>
+          </a:p>
+          <a:p>
+            <a:pPr>
+              <a:lnSpc>
+                <a:spcPct val="150000"/>
+              </a:lnSpc>
+            </a:pPr>
+            <a:r>
+              <a:rPr lang="pt-PT" sz="2000" b="1" dirty="0"/>
+              <a:t>Cláudia Ribeiro – PG49998</a:t>
+            </a:r>
+          </a:p>
+          <a:p>
+            <a:pPr algn="just"/>
+            <a:endParaRPr lang="pt-PT" sz="2000" i="1" dirty="0"/>
+          </a:p>
+          <a:p>
+            <a:pPr algn="just"/>
+            <a:endParaRPr lang="pt-PT" sz="2000" b="1" dirty="0">
+              <a:solidFill>
+                <a:srgbClr val="C00000"/>
+              </a:solidFill>
+            </a:endParaRPr>
+          </a:p>
+        </p:txBody>
+      </p:sp>
+      <p:sp>
+        <p:nvSpPr>
+          <p:cNvPr id="15" name="Rectângulo 14"/>
+          <p:cNvSpPr/>
+          <p:nvPr/>
+        </p:nvSpPr>
+        <p:spPr>
+          <a:xfrm>
+            <a:off x="7221537" y="5807075"/>
+            <a:ext cx="1951881" cy="307777"/>
+          </a:xfrm>
+          <a:prstGeom prst="rect">
+            <a:avLst/>
+          </a:prstGeom>
+        </p:spPr>
+        <p:txBody>
+          <a:bodyPr wrap="none">
+            <a:spAutoFit/>
+          </a:bodyPr>
+          <a:lstStyle/>
+          <a:p>
+            <a:r>
+              <a:rPr lang="pt-PT" sz="1400" b="1" dirty="0">
+                <a:solidFill>
+                  <a:schemeClr val="tx2"/>
+                </a:solidFill>
+              </a:rPr>
+              <a:t>Ano Escolar: 2022/2023</a:t>
+            </a:r>
+            <a:endParaRPr lang="pt-PT" sz="1400" dirty="0"/>
+          </a:p>
+        </p:txBody>
+      </p:sp>
+      <p:pic>
+        <p:nvPicPr>
+          <p:cNvPr id="1028" name="Picture 4" descr="Idea">
+            <a:extLst>
+              <a:ext uri="{FF2B5EF4-FFF2-40B4-BE49-F238E27FC236}">
+                <a16:creationId xmlns:a16="http://schemas.microsoft.com/office/drawing/2014/main" id="{3FEF866A-F99B-34BF-C767-B836EC71D695}"/>
+              </a:ext>
+            </a:extLst>
+          </p:cNvPr>
+          <p:cNvPicPr>
+            <a:picLocks noChangeAspect="1" noChangeArrowheads="1"/>
+          </p:cNvPicPr>
+          <p:nvPr/>
+        </p:nvPicPr>
+        <p:blipFill>
+          <a:blip r:embed="rId2">
+            <a:extLst>
+              <a:ext uri="{28A0092B-C50C-407E-A947-70E740481C1C}">
+                <a14:useLocalDpi xmlns:a14="http://schemas.microsoft.com/office/drawing/2010/main" val="0"/>
+              </a:ext>
+            </a:extLst>
+          </a:blip>
+          <a:srcRect/>
+          <a:stretch>
+            <a:fillRect/>
+          </a:stretch>
+        </p:blipFill>
+        <p:spPr bwMode="auto">
+          <a:xfrm>
+            <a:off x="76200" y="381000"/>
+            <a:ext cx="2308815" cy="1800000"/>
+          </a:xfrm>
+          <a:prstGeom prst="rect">
+            <a:avLst/>
+          </a:prstGeom>
+          <a:noFill/>
+          <a:extLst>
+            <a:ext uri="{909E8E84-426E-40DD-AFC4-6F175D3DCCD1}">
+              <a14:hiddenFill xmlns:a14="http://schemas.microsoft.com/office/drawing/2010/main">
+                <a:solidFill>
+                  <a:srgbClr val="FFFFFF"/>
+                </a:solidFill>
+              </a14:hiddenFill>
+            </a:ext>
+          </a:extLst>
+        </p:spPr>
+      </p:pic>
+    </p:spTree>
+    <p:extLst>
+      <p:ext uri="{BB962C8B-B14F-4D97-AF65-F5344CB8AC3E}">
+        <p14:creationId xmlns:p14="http://schemas.microsoft.com/office/powerpoint/2010/main" val="3026744918"/>
       </p:ext>
     </p:extLst>
   </p:cSld>

--- a/Fase1/MD.pptx
+++ b/Fase1/MD.pptx
@@ -6617,6 +6617,443 @@
           </a:extLst>
         </p:spPr>
       </p:pic>
+      <p:sp>
+        <p:nvSpPr>
+          <p:cNvPr id="2" name="CaixaDeTexto 1">
+            <a:extLst>
+              <a:ext uri="{FF2B5EF4-FFF2-40B4-BE49-F238E27FC236}">
+                <a16:creationId xmlns:a16="http://schemas.microsoft.com/office/drawing/2014/main" id="{F04BD5C0-C7E5-8EB0-2A9D-2D07B865BD34}"/>
+              </a:ext>
+            </a:extLst>
+          </p:cNvPr>
+          <p:cNvSpPr txBox="1"/>
+          <p:nvPr/>
+        </p:nvSpPr>
+        <p:spPr>
+          <a:xfrm>
+            <a:off x="419100" y="1087714"/>
+            <a:ext cx="8305800" cy="2837700"/>
+          </a:xfrm>
+          <a:prstGeom prst="rect">
+            <a:avLst/>
+          </a:prstGeom>
+          <a:noFill/>
+          <a:ln>
+            <a:noFill/>
+          </a:ln>
+        </p:spPr>
+        <p:txBody>
+          <a:bodyPr wrap="square" rtlCol="0">
+            <a:spAutoFit/>
+          </a:bodyPr>
+          <a:lstStyle/>
+          <a:p>
+            <a:pPr>
+              <a:lnSpc>
+                <a:spcPct val="200000"/>
+              </a:lnSpc>
+            </a:pPr>
+            <a:r>
+              <a:rPr lang="pt-PT" sz="2000" i="1" dirty="0">
+                <a:solidFill>
+                  <a:srgbClr val="FFC000"/>
+                </a:solidFill>
+                <a:latin typeface="Arial"/>
+                <a:cs typeface="Arial"/>
+              </a:rPr>
+              <a:t>■ </a:t>
+            </a:r>
+            <a:r>
+              <a:rPr lang="pt-PT" sz="2000" i="1" dirty="0" err="1">
+                <a:latin typeface="Arial"/>
+                <a:cs typeface="Arial"/>
+              </a:rPr>
+              <a:t>Dataset</a:t>
+            </a:r>
+            <a:r>
+              <a:rPr lang="pt-PT" sz="2000" i="1" dirty="0">
+                <a:latin typeface="Arial"/>
+                <a:cs typeface="Arial"/>
+              </a:rPr>
+              <a:t>: </a:t>
+            </a:r>
+            <a:r>
+              <a:rPr lang="en-US" sz="2000" i="1" dirty="0">
+                <a:latin typeface="Arial"/>
+                <a:cs typeface="Arial"/>
+              </a:rPr>
+              <a:t>Amazon Reviews for </a:t>
+            </a:r>
+            <a:r>
+              <a:rPr lang="en-US" sz="2000" i="1" dirty="0" err="1">
+                <a:latin typeface="Arial"/>
+                <a:cs typeface="Arial"/>
+              </a:rPr>
+              <a:t>Senti</a:t>
+            </a:r>
+            <a:r>
+              <a:rPr lang="en-US" sz="2000" i="1" dirty="0">
+                <a:latin typeface="Arial"/>
+                <a:cs typeface="Arial"/>
+              </a:rPr>
+              <a:t>-Analysis Binary</a:t>
+            </a:r>
+          </a:p>
+          <a:p>
+            <a:pPr>
+              <a:lnSpc>
+                <a:spcPct val="200000"/>
+              </a:lnSpc>
+            </a:pPr>
+            <a:r>
+              <a:rPr lang="pt-PT" sz="1600" dirty="0">
+                <a:hlinkClick r:id="rId4"/>
+              </a:rPr>
+              <a:t>https://www.kaggle.com/datasets/yacharki/amazon-reviews-for-sa-binary-negative-positive-csv</a:t>
+            </a:r>
+            <a:endParaRPr lang="pt-PT" sz="1600" dirty="0"/>
+          </a:p>
+          <a:p>
+            <a:pPr>
+              <a:lnSpc>
+                <a:spcPct val="200000"/>
+              </a:lnSpc>
+            </a:pPr>
+            <a:r>
+              <a:rPr lang="pt-PT" dirty="0"/>
+              <a:t>Dados de Treino: 1 048 576</a:t>
+            </a:r>
+          </a:p>
+          <a:p>
+            <a:pPr>
+              <a:lnSpc>
+                <a:spcPct val="200000"/>
+              </a:lnSpc>
+            </a:pPr>
+            <a:r>
+              <a:rPr lang="pt-PT" dirty="0"/>
+              <a:t>Dados de Teste: 399 976</a:t>
+            </a:r>
+          </a:p>
+          <a:p>
+            <a:pPr>
+              <a:lnSpc>
+                <a:spcPct val="200000"/>
+              </a:lnSpc>
+            </a:pPr>
+            <a:endParaRPr lang="pt-PT" sz="2000" dirty="0"/>
+          </a:p>
+        </p:txBody>
+      </p:sp>
+      <p:graphicFrame>
+        <p:nvGraphicFramePr>
+          <p:cNvPr id="9" name="Tabela 9">
+            <a:extLst>
+              <a:ext uri="{FF2B5EF4-FFF2-40B4-BE49-F238E27FC236}">
+                <a16:creationId xmlns:a16="http://schemas.microsoft.com/office/drawing/2014/main" id="{FDCFF7F9-1DEC-6015-3F70-40EB84D9529F}"/>
+              </a:ext>
+            </a:extLst>
+          </p:cNvPr>
+          <p:cNvGraphicFramePr>
+            <a:graphicFrameLocks noGrp="1"/>
+          </p:cNvGraphicFramePr>
+          <p:nvPr>
+            <p:extLst>
+              <p:ext uri="{D42A27DB-BD31-4B8C-83A1-F6EECF244321}">
+                <p14:modId xmlns:p14="http://schemas.microsoft.com/office/powerpoint/2010/main" val="3500996070"/>
+              </p:ext>
+            </p:extLst>
+          </p:nvPr>
+        </p:nvGraphicFramePr>
+        <p:xfrm>
+          <a:off x="457201" y="3604019"/>
+          <a:ext cx="8229597" cy="2277741"/>
+        </p:xfrm>
+        <a:graphic>
+          <a:graphicData uri="http://schemas.openxmlformats.org/drawingml/2006/table">
+            <a:tbl>
+              <a:tblPr firstRow="1" bandRow="1">
+                <a:tableStyleId>{93296810-A885-4BE3-A3E7-6D5BEEA58F35}</a:tableStyleId>
+              </a:tblPr>
+              <a:tblGrid>
+                <a:gridCol w="2743199">
+                  <a:extLst>
+                    <a:ext uri="{9D8B030D-6E8A-4147-A177-3AD203B41FA5}">
+                      <a16:colId xmlns:a16="http://schemas.microsoft.com/office/drawing/2014/main" val="4180464960"/>
+                    </a:ext>
+                  </a:extLst>
+                </a:gridCol>
+                <a:gridCol w="2743199">
+                  <a:extLst>
+                    <a:ext uri="{9D8B030D-6E8A-4147-A177-3AD203B41FA5}">
+                      <a16:colId xmlns:a16="http://schemas.microsoft.com/office/drawing/2014/main" val="3177244055"/>
+                    </a:ext>
+                  </a:extLst>
+                </a:gridCol>
+                <a:gridCol w="2743199">
+                  <a:extLst>
+                    <a:ext uri="{9D8B030D-6E8A-4147-A177-3AD203B41FA5}">
+                      <a16:colId xmlns:a16="http://schemas.microsoft.com/office/drawing/2014/main" val="3993442699"/>
+                    </a:ext>
+                  </a:extLst>
+                </a:gridCol>
+              </a:tblGrid>
+              <a:tr h="487573">
+                <a:tc>
+                  <a:txBody>
+                    <a:bodyPr/>
+                    <a:lstStyle/>
+                    <a:p>
+                      <a:r>
+                        <a:rPr lang="pt-PT" dirty="0" err="1">
+                          <a:solidFill>
+                            <a:schemeClr val="tx1"/>
+                          </a:solidFill>
+                        </a:rPr>
+                        <a:t>Class</a:t>
+                      </a:r>
+                      <a:r>
+                        <a:rPr lang="pt-PT" dirty="0">
+                          <a:solidFill>
+                            <a:schemeClr val="tx1"/>
+                          </a:solidFill>
+                        </a:rPr>
+                        <a:t> Index</a:t>
+                      </a:r>
+                    </a:p>
+                  </a:txBody>
+                  <a:tcPr/>
+                </a:tc>
+                <a:tc>
+                  <a:txBody>
+                    <a:bodyPr/>
+                    <a:lstStyle/>
+                    <a:p>
+                      <a:pPr algn="ctr"/>
+                      <a:r>
+                        <a:rPr lang="pt-PT" dirty="0" err="1">
+                          <a:solidFill>
+                            <a:schemeClr val="tx1"/>
+                          </a:solidFill>
+                        </a:rPr>
+                        <a:t>Review</a:t>
+                      </a:r>
+                      <a:r>
+                        <a:rPr lang="pt-PT" dirty="0">
+                          <a:solidFill>
+                            <a:schemeClr val="tx1"/>
+                          </a:solidFill>
+                        </a:rPr>
+                        <a:t> </a:t>
+                      </a:r>
+                      <a:r>
+                        <a:rPr lang="pt-PT" dirty="0" err="1">
+                          <a:solidFill>
+                            <a:schemeClr val="tx1"/>
+                          </a:solidFill>
+                        </a:rPr>
+                        <a:t>Title</a:t>
+                      </a:r>
+                      <a:endParaRPr lang="pt-PT" dirty="0">
+                        <a:solidFill>
+                          <a:schemeClr val="tx1"/>
+                        </a:solidFill>
+                      </a:endParaRPr>
+                    </a:p>
+                  </a:txBody>
+                  <a:tcPr/>
+                </a:tc>
+                <a:tc>
+                  <a:txBody>
+                    <a:bodyPr/>
+                    <a:lstStyle/>
+                    <a:p>
+                      <a:pPr algn="ctr"/>
+                      <a:r>
+                        <a:rPr lang="pt-PT" dirty="0" err="1">
+                          <a:solidFill>
+                            <a:sysClr val="windowText" lastClr="000000"/>
+                          </a:solidFill>
+                        </a:rPr>
+                        <a:t>Review</a:t>
+                      </a:r>
+                      <a:r>
+                        <a:rPr lang="pt-PT" dirty="0">
+                          <a:solidFill>
+                            <a:sysClr val="windowText" lastClr="000000"/>
+                          </a:solidFill>
+                        </a:rPr>
+                        <a:t> </a:t>
+                      </a:r>
+                      <a:r>
+                        <a:rPr lang="pt-PT" dirty="0" err="1">
+                          <a:solidFill>
+                            <a:sysClr val="windowText" lastClr="000000"/>
+                          </a:solidFill>
+                        </a:rPr>
+                        <a:t>Text</a:t>
+                      </a:r>
+                      <a:endParaRPr lang="pt-PT" dirty="0">
+                        <a:solidFill>
+                          <a:sysClr val="windowText" lastClr="000000"/>
+                        </a:solidFill>
+                      </a:endParaRPr>
+                    </a:p>
+                  </a:txBody>
+                  <a:tcPr/>
+                </a:tc>
+                <a:extLst>
+                  <a:ext uri="{0D108BD9-81ED-4DB2-BD59-A6C34878D82A}">
+                    <a16:rowId xmlns:a16="http://schemas.microsoft.com/office/drawing/2014/main" val="3482417163"/>
+                  </a:ext>
+                </a:extLst>
+              </a:tr>
+              <a:tr h="875768">
+                <a:tc>
+                  <a:txBody>
+                    <a:bodyPr/>
+                    <a:lstStyle/>
+                    <a:p>
+                      <a:pPr algn="ctr"/>
+                      <a:r>
+                        <a:rPr lang="pt-PT" dirty="0">
+                          <a:solidFill>
+                            <a:sysClr val="windowText" lastClr="000000"/>
+                          </a:solidFill>
+                        </a:rPr>
+                        <a:t>1</a:t>
+                      </a:r>
+                    </a:p>
+                  </a:txBody>
+                  <a:tcPr/>
+                </a:tc>
+                <a:tc>
+                  <a:txBody>
+                    <a:bodyPr/>
+                    <a:lstStyle/>
+                    <a:p>
+                      <a:pPr algn="ctr"/>
+                      <a:r>
+                        <a:rPr lang="en-US" sz="1600" dirty="0">
+                          <a:solidFill>
+                            <a:sysClr val="windowText" lastClr="000000"/>
+                          </a:solidFill>
+                        </a:rPr>
+                        <a:t>Long and boring</a:t>
+                      </a:r>
+                      <a:endParaRPr lang="pt-PT" sz="1600" dirty="0">
+                        <a:solidFill>
+                          <a:sysClr val="windowText" lastClr="000000"/>
+                        </a:solidFill>
+                      </a:endParaRPr>
+                    </a:p>
+                  </a:txBody>
+                  <a:tcPr/>
+                </a:tc>
+                <a:tc>
+                  <a:txBody>
+                    <a:bodyPr/>
+                    <a:lstStyle/>
+                    <a:p>
+                      <a:pPr algn="ctr"/>
+                      <a:r>
+                        <a:rPr lang="en-US" sz="1600" dirty="0">
+                          <a:solidFill>
+                            <a:sysClr val="windowText" lastClr="000000"/>
+                          </a:solidFill>
+                        </a:rPr>
+                        <a:t>I've read this book with much expectation, it was very boring all through out the book</a:t>
+                      </a:r>
+                      <a:endParaRPr lang="pt-PT" sz="1600" dirty="0">
+                        <a:solidFill>
+                          <a:sysClr val="windowText" lastClr="000000"/>
+                        </a:solidFill>
+                      </a:endParaRPr>
+                    </a:p>
+                  </a:txBody>
+                  <a:tcPr/>
+                </a:tc>
+                <a:extLst>
+                  <a:ext uri="{0D108BD9-81ED-4DB2-BD59-A6C34878D82A}">
+                    <a16:rowId xmlns:a16="http://schemas.microsoft.com/office/drawing/2014/main" val="1027904598"/>
+                  </a:ext>
+                </a:extLst>
+              </a:tr>
+              <a:tr h="487573">
+                <a:tc>
+                  <a:txBody>
+                    <a:bodyPr/>
+                    <a:lstStyle/>
+                    <a:p>
+                      <a:pPr algn="ctr"/>
+                      <a:r>
+                        <a:rPr lang="pt-PT" dirty="0">
+                          <a:solidFill>
+                            <a:sysClr val="windowText" lastClr="000000"/>
+                          </a:solidFill>
+                        </a:rPr>
+                        <a:t>2</a:t>
+                      </a:r>
+                    </a:p>
+                  </a:txBody>
+                  <a:tcPr/>
+                </a:tc>
+                <a:tc>
+                  <a:txBody>
+                    <a:bodyPr/>
+                    <a:lstStyle/>
+                    <a:p>
+                      <a:pPr algn="ctr"/>
+                      <a:r>
+                        <a:rPr lang="en-US" dirty="0">
+                          <a:solidFill>
+                            <a:sysClr val="windowText" lastClr="000000"/>
+                          </a:solidFill>
+                        </a:rPr>
+                        <a:t>best fiddle playing I have heard in a long time</a:t>
+                      </a:r>
+                      <a:endParaRPr lang="pt-PT" dirty="0">
+                        <a:solidFill>
+                          <a:sysClr val="windowText" lastClr="000000"/>
+                        </a:solidFill>
+                      </a:endParaRPr>
+                    </a:p>
+                  </a:txBody>
+                  <a:tcPr/>
+                </a:tc>
+                <a:tc>
+                  <a:txBody>
+                    <a:bodyPr/>
+                    <a:lstStyle/>
+                    <a:p>
+                      <a:pPr algn="ctr"/>
+                      <a:r>
+                        <a:rPr lang="en-US" dirty="0">
+                          <a:solidFill>
+                            <a:sysClr val="windowText" lastClr="000000"/>
+                          </a:solidFill>
+                        </a:rPr>
+                        <a:t>This is an excellent album with some great fiddle playing. </a:t>
+                      </a:r>
+                      <a:endParaRPr lang="pt-PT" dirty="0">
+                        <a:solidFill>
+                          <a:sysClr val="windowText" lastClr="000000"/>
+                        </a:solidFill>
+                      </a:endParaRPr>
+                    </a:p>
+                  </a:txBody>
+                  <a:tcPr/>
+                </a:tc>
+                <a:extLst>
+                  <a:ext uri="{0D108BD9-81ED-4DB2-BD59-A6C34878D82A}">
+                    <a16:rowId xmlns:a16="http://schemas.microsoft.com/office/drawing/2014/main" val="402811040"/>
+                  </a:ext>
+                </a:extLst>
+              </a:tr>
+            </a:tbl>
+          </a:graphicData>
+        </a:graphic>
+      </p:graphicFrame>
     </p:spTree>
     <p:extLst>
       <p:ext uri="{BB962C8B-B14F-4D97-AF65-F5344CB8AC3E}">
@@ -7056,7 +7493,7 @@
         </p:nvSpPr>
         <p:spPr>
           <a:xfrm>
-            <a:off x="419100" y="2129190"/>
+            <a:off x="520325" y="1484542"/>
             <a:ext cx="8305800" cy="3022366"/>
           </a:xfrm>
           <a:prstGeom prst="rect">
@@ -7120,15 +7557,7 @@
             </a:r>
             <a:r>
               <a:rPr lang="pt-PT" sz="2000" dirty="0"/>
-              <a:t>Limpeza e </a:t>
-            </a:r>
-            <a:r>
-              <a:rPr lang="pt-PT" sz="2000" u="sng" dirty="0"/>
-              <a:t>normalização</a:t>
-            </a:r>
-            <a:r>
-              <a:rPr lang="pt-PT" sz="2000" dirty="0"/>
-              <a:t> dos dados</a:t>
+              <a:t>Limpeza e normalização dos dados</a:t>
             </a:r>
           </a:p>
           <a:p>
@@ -7772,7 +8201,7 @@
         </p:nvSpPr>
         <p:spPr>
           <a:xfrm>
-            <a:off x="419100" y="1887290"/>
+            <a:off x="419100" y="1491511"/>
             <a:ext cx="8305800" cy="3074624"/>
           </a:xfrm>
           <a:prstGeom prst="rect">
@@ -7923,7 +8352,7 @@
                 <a:latin typeface="Arial"/>
                 <a:cs typeface="Arial"/>
               </a:rPr>
-              <a:t>Redes Neuronais Artificiais</a:t>
+              <a:t>Redes Neuronais Artificiais (se necessário)</a:t>
             </a:r>
           </a:p>
         </p:txBody>
@@ -8486,56 +8915,6 @@
       </p:sp>
       <p:sp>
         <p:nvSpPr>
-          <p:cNvPr id="12" name="CaixaDeTexto 11">
-            <a:extLst>
-              <a:ext uri="{FF2B5EF4-FFF2-40B4-BE49-F238E27FC236}">
-                <a16:creationId xmlns:a16="http://schemas.microsoft.com/office/drawing/2014/main" id="{E11EED7C-F203-447C-8DD1-A9C2FABC7866}"/>
-              </a:ext>
-            </a:extLst>
-          </p:cNvPr>
-          <p:cNvSpPr txBox="1"/>
-          <p:nvPr/>
-        </p:nvSpPr>
-        <p:spPr>
-          <a:xfrm>
-            <a:off x="419100" y="1087714"/>
-            <a:ext cx="8305800" cy="619721"/>
-          </a:xfrm>
-          <a:prstGeom prst="rect">
-            <a:avLst/>
-          </a:prstGeom>
-          <a:noFill/>
-          <a:ln>
-            <a:noFill/>
-          </a:ln>
-        </p:spPr>
-        <p:txBody>
-          <a:bodyPr wrap="square" rtlCol="0">
-            <a:spAutoFit/>
-          </a:bodyPr>
-          <a:lstStyle/>
-          <a:p>
-            <a:pPr>
-              <a:lnSpc>
-                <a:spcPct val="200000"/>
-              </a:lnSpc>
-            </a:pPr>
-            <a:r>
-              <a:rPr lang="pt-PT" sz="2000" i="1" dirty="0">
-                <a:solidFill>
-                  <a:srgbClr val="FFC000"/>
-                </a:solidFill>
-                <a:latin typeface="Arial"/>
-                <a:cs typeface="Arial"/>
-              </a:rPr>
-              <a:t>■</a:t>
-            </a:r>
-            <a:endParaRPr lang="pt-PT" sz="2000" dirty="0"/>
-          </a:p>
-        </p:txBody>
-      </p:sp>
-      <p:sp>
-        <p:nvSpPr>
           <p:cNvPr id="15" name="Rectângulo 19">
             <a:extLst>
               <a:ext uri="{FF2B5EF4-FFF2-40B4-BE49-F238E27FC236}">
@@ -8663,6 +9042,96 @@
               </a14:hiddenFill>
             </a:ext>
           </a:extLst>
+        </p:spPr>
+      </p:pic>
+      <p:pic>
+        <p:nvPicPr>
+          <p:cNvPr id="2" name="Imagem 1">
+            <a:extLst>
+              <a:ext uri="{FF2B5EF4-FFF2-40B4-BE49-F238E27FC236}">
+                <a16:creationId xmlns:a16="http://schemas.microsoft.com/office/drawing/2014/main" id="{5BE3BBA3-D296-3137-6054-D9B624FE7146}"/>
+              </a:ext>
+            </a:extLst>
+          </p:cNvPr>
+          <p:cNvPicPr>
+            <a:picLocks noChangeAspect="1"/>
+          </p:cNvPicPr>
+          <p:nvPr/>
+        </p:nvPicPr>
+        <p:blipFill>
+          <a:blip r:embed="rId4"/>
+          <a:stretch>
+            <a:fillRect/>
+          </a:stretch>
+        </p:blipFill>
+        <p:spPr>
+          <a:xfrm>
+            <a:off x="331224" y="1632448"/>
+            <a:ext cx="4747751" cy="2058489"/>
+          </a:xfrm>
+          <a:prstGeom prst="rect">
+            <a:avLst/>
+          </a:prstGeom>
+        </p:spPr>
+      </p:pic>
+      <p:pic>
+        <p:nvPicPr>
+          <p:cNvPr id="3" name="Imagem 2">
+            <a:extLst>
+              <a:ext uri="{FF2B5EF4-FFF2-40B4-BE49-F238E27FC236}">
+                <a16:creationId xmlns:a16="http://schemas.microsoft.com/office/drawing/2014/main" id="{417FD5D4-423A-1B28-A536-A7E7ABDBF64B}"/>
+              </a:ext>
+            </a:extLst>
+          </p:cNvPr>
+          <p:cNvPicPr>
+            <a:picLocks noChangeAspect="1"/>
+          </p:cNvPicPr>
+          <p:nvPr/>
+        </p:nvPicPr>
+        <p:blipFill>
+          <a:blip r:embed="rId5"/>
+          <a:stretch>
+            <a:fillRect/>
+          </a:stretch>
+        </p:blipFill>
+        <p:spPr>
+          <a:xfrm>
+            <a:off x="2362200" y="3587548"/>
+            <a:ext cx="4419600" cy="2209800"/>
+          </a:xfrm>
+          <a:prstGeom prst="rect">
+            <a:avLst/>
+          </a:prstGeom>
+        </p:spPr>
+      </p:pic>
+      <p:pic>
+        <p:nvPicPr>
+          <p:cNvPr id="8" name="Imagem 7">
+            <a:extLst>
+              <a:ext uri="{FF2B5EF4-FFF2-40B4-BE49-F238E27FC236}">
+                <a16:creationId xmlns:a16="http://schemas.microsoft.com/office/drawing/2014/main" id="{E4C0440E-8B03-9B4E-485B-0264E0FAE195}"/>
+              </a:ext>
+            </a:extLst>
+          </p:cNvPr>
+          <p:cNvPicPr>
+            <a:picLocks noChangeAspect="1"/>
+          </p:cNvPicPr>
+          <p:nvPr/>
+        </p:nvPicPr>
+        <p:blipFill>
+          <a:blip r:embed="rId6"/>
+          <a:stretch>
+            <a:fillRect/>
+          </a:stretch>
+        </p:blipFill>
+        <p:spPr>
+          <a:xfrm>
+            <a:off x="5481780" y="1828801"/>
+            <a:ext cx="3200398" cy="1600199"/>
+          </a:xfrm>
+          <a:prstGeom prst="rect">
+            <a:avLst/>
+          </a:prstGeom>
         </p:spPr>
       </p:pic>
     </p:spTree>

--- a/Fase1/MD.pptx
+++ b/Fase1/MD.pptx
@@ -219,7 +219,7 @@
             <a:fld id="{ADB6FF1F-555E-4388-A8B0-D1E524B355D1}" type="datetimeFigureOut">
               <a:rPr lang="pt-PT" smtClean="0"/>
               <a:pPr/>
-              <a:t>29/03/2023</a:t>
+              <a:t>31/03/2023</a:t>
             </a:fld>
             <a:endParaRPr lang="pt-PT"/>
           </a:p>
@@ -386,7 +386,7 @@
             <a:fld id="{E77E319B-B046-487F-8D03-B96E4F1A43D0}" type="datetimeFigureOut">
               <a:rPr lang="pt-PT" smtClean="0"/>
               <a:pPr/>
-              <a:t>29/03/2023</a:t>
+              <a:t>31/03/2023</a:t>
             </a:fld>
             <a:endParaRPr lang="pt-PT"/>
           </a:p>
@@ -1517,7 +1517,7 @@
             <a:fld id="{A4A3E61B-3AB3-490F-90D4-269C8A444AE7}" type="datetimeFigureOut">
               <a:rPr lang="en-US" smtClean="0"/>
               <a:pPr/>
-              <a:t>3/29/2023</a:t>
+              <a:t>3/31/2023</a:t>
             </a:fld>
             <a:endParaRPr lang="en-US"/>
           </a:p>
@@ -1684,7 +1684,7 @@
             <a:fld id="{A4A3E61B-3AB3-490F-90D4-269C8A444AE7}" type="datetimeFigureOut">
               <a:rPr lang="en-US" smtClean="0"/>
               <a:pPr/>
-              <a:t>3/29/2023</a:t>
+              <a:t>3/31/2023</a:t>
             </a:fld>
             <a:endParaRPr lang="en-US"/>
           </a:p>
@@ -1861,7 +1861,7 @@
             <a:fld id="{A4A3E61B-3AB3-490F-90D4-269C8A444AE7}" type="datetimeFigureOut">
               <a:rPr lang="en-US" smtClean="0"/>
               <a:pPr/>
-              <a:t>3/29/2023</a:t>
+              <a:t>3/31/2023</a:t>
             </a:fld>
             <a:endParaRPr lang="en-US"/>
           </a:p>
@@ -2028,7 +2028,7 @@
             <a:fld id="{A4A3E61B-3AB3-490F-90D4-269C8A444AE7}" type="datetimeFigureOut">
               <a:rPr lang="en-US" smtClean="0"/>
               <a:pPr/>
-              <a:t>3/29/2023</a:t>
+              <a:t>3/31/2023</a:t>
             </a:fld>
             <a:endParaRPr lang="en-US"/>
           </a:p>
@@ -2271,7 +2271,7 @@
             <a:fld id="{A4A3E61B-3AB3-490F-90D4-269C8A444AE7}" type="datetimeFigureOut">
               <a:rPr lang="en-US" smtClean="0"/>
               <a:pPr/>
-              <a:t>3/29/2023</a:t>
+              <a:t>3/31/2023</a:t>
             </a:fld>
             <a:endParaRPr lang="en-US"/>
           </a:p>
@@ -2556,7 +2556,7 @@
             <a:fld id="{A4A3E61B-3AB3-490F-90D4-269C8A444AE7}" type="datetimeFigureOut">
               <a:rPr lang="en-US" smtClean="0"/>
               <a:pPr/>
-              <a:t>3/29/2023</a:t>
+              <a:t>3/31/2023</a:t>
             </a:fld>
             <a:endParaRPr lang="en-US"/>
           </a:p>
@@ -2975,7 +2975,7 @@
             <a:fld id="{A4A3E61B-3AB3-490F-90D4-269C8A444AE7}" type="datetimeFigureOut">
               <a:rPr lang="en-US" smtClean="0"/>
               <a:pPr/>
-              <a:t>3/29/2023</a:t>
+              <a:t>3/31/2023</a:t>
             </a:fld>
             <a:endParaRPr lang="en-US"/>
           </a:p>
@@ -3090,7 +3090,7 @@
             <a:fld id="{A4A3E61B-3AB3-490F-90D4-269C8A444AE7}" type="datetimeFigureOut">
               <a:rPr lang="en-US" smtClean="0"/>
               <a:pPr/>
-              <a:t>3/29/2023</a:t>
+              <a:t>3/31/2023</a:t>
             </a:fld>
             <a:endParaRPr lang="en-US"/>
           </a:p>
@@ -3182,7 +3182,7 @@
             <a:fld id="{A4A3E61B-3AB3-490F-90D4-269C8A444AE7}" type="datetimeFigureOut">
               <a:rPr lang="en-US" smtClean="0"/>
               <a:pPr/>
-              <a:t>3/29/2023</a:t>
+              <a:t>3/31/2023</a:t>
             </a:fld>
             <a:endParaRPr lang="en-US"/>
           </a:p>
@@ -3456,7 +3456,7 @@
             <a:fld id="{A4A3E61B-3AB3-490F-90D4-269C8A444AE7}" type="datetimeFigureOut">
               <a:rPr lang="en-US" smtClean="0"/>
               <a:pPr/>
-              <a:t>3/29/2023</a:t>
+              <a:t>3/31/2023</a:t>
             </a:fld>
             <a:endParaRPr lang="en-US"/>
           </a:p>
@@ -3706,7 +3706,7 @@
             <a:fld id="{A4A3E61B-3AB3-490F-90D4-269C8A444AE7}" type="datetimeFigureOut">
               <a:rPr lang="en-US" smtClean="0"/>
               <a:pPr/>
-              <a:t>3/29/2023</a:t>
+              <a:t>3/31/2023</a:t>
             </a:fld>
             <a:endParaRPr lang="en-US"/>
           </a:p>
@@ -3916,7 +3916,7 @@
             <a:fld id="{A4A3E61B-3AB3-490F-90D4-269C8A444AE7}" type="datetimeFigureOut">
               <a:rPr lang="en-US" smtClean="0"/>
               <a:pPr/>
-              <a:t>3/29/2023</a:t>
+              <a:t>3/31/2023</a:t>
             </a:fld>
             <a:endParaRPr lang="en-US"/>
           </a:p>
@@ -7493,8 +7493,8 @@
         </p:nvSpPr>
         <p:spPr>
           <a:xfrm>
-            <a:off x="520325" y="1484542"/>
-            <a:ext cx="8305800" cy="3022366"/>
+            <a:off x="520325" y="1383384"/>
+            <a:ext cx="8305800" cy="2468368"/>
           </a:xfrm>
           <a:prstGeom prst="rect">
             <a:avLst/>
@@ -7509,34 +7509,6 @@
             <a:spAutoFit/>
           </a:bodyPr>
           <a:lstStyle/>
-          <a:p>
-            <a:pPr>
-              <a:lnSpc>
-                <a:spcPct val="200000"/>
-              </a:lnSpc>
-            </a:pPr>
-            <a:r>
-              <a:rPr lang="pt-PT" sz="1800" i="1" kern="1200" dirty="0">
-                <a:solidFill>
-                  <a:srgbClr val="FFC000"/>
-                </a:solidFill>
-                <a:effectLst/>
-                <a:latin typeface="+mn-ea"/>
-                <a:ea typeface="+mn-ea"/>
-                <a:cs typeface="Arial" panose="020B0604020202020204" pitchFamily="34" charset="0"/>
-              </a:rPr>
-              <a:t>■ </a:t>
-            </a:r>
-            <a:r>
-              <a:rPr lang="pt-PT" sz="1800" i="1" kern="1200" dirty="0">
-                <a:effectLst/>
-                <a:latin typeface="+mn-ea"/>
-                <a:ea typeface="+mn-ea"/>
-                <a:cs typeface="Arial" panose="020B0604020202020204" pitchFamily="34" charset="0"/>
-              </a:rPr>
-              <a:t>Recoleção de Dados</a:t>
-            </a:r>
-          </a:p>
           <a:p>
             <a:pPr>
               <a:lnSpc>
